--- a/企画書/マジックダンサー.pptx
+++ b/企画書/マジックダンサー.pptx
@@ -8,29 +8,31 @@
     <p:sldId id="256" r:id="rId2"/>
     <p:sldId id="257" r:id="rId3"/>
     <p:sldId id="258" r:id="rId4"/>
+    <p:sldId id="259" r:id="rId5"/>
+    <p:sldId id="260" r:id="rId6"/>
   </p:sldIdLst>
   <p:sldSz cx="9906000" cy="6858000" type="A4"/>
   <p:notesSz cx="6858000" cy="9144000"/>
   <p:embeddedFontLst>
     <p:embeddedFont>
-      <p:font typeface="HGP創英角ﾎﾟｯﾌﾟ体" panose="040B0A00000000000000" pitchFamily="50" charset="-128"/>
-      <p:regular r:id="rId5"/>
+      <p:font typeface="AR DESTINE" panose="020B0600070205080204" charset="0"/>
+      <p:regular r:id="rId7"/>
     </p:embeddedFont>
     <p:embeddedFont>
-      <p:font typeface="AR DESTINE" panose="02000000000000000000" pitchFamily="2" charset="0"/>
-      <p:regular r:id="rId6"/>
+      <p:font typeface="Calibri Light" panose="020F0302020204030204" pitchFamily="34" charset="0"/>
+      <p:regular r:id="rId8"/>
+      <p:italic r:id="rId9"/>
     </p:embeddedFont>
     <p:embeddedFont>
       <p:font typeface="Calibri" panose="020F0502020204030204" pitchFamily="34" charset="0"/>
-      <p:regular r:id="rId7"/>
-      <p:bold r:id="rId8"/>
-      <p:italic r:id="rId9"/>
-      <p:boldItalic r:id="rId10"/>
+      <p:regular r:id="rId10"/>
+      <p:bold r:id="rId11"/>
+      <p:italic r:id="rId12"/>
+      <p:boldItalic r:id="rId13"/>
     </p:embeddedFont>
     <p:embeddedFont>
-      <p:font typeface="Calibri Light" panose="020F0302020204030204" pitchFamily="34" charset="0"/>
-      <p:regular r:id="rId11"/>
-      <p:italic r:id="rId12"/>
+      <p:font typeface="HGP創英角ﾎﾟｯﾌﾟ体" panose="040B0A00000000000000" pitchFamily="50" charset="-128"/>
+      <p:regular r:id="rId14"/>
     </p:embeddedFont>
   </p:embeddedFontLst>
   <p:defaultTextStyle>
@@ -267,7 +269,7 @@
           <a:p>
             <a:fld id="{84FDC602-78CE-4E55-AA60-D77D020DA79C}" type="datetimeFigureOut">
               <a:rPr kumimoji="1" lang="ja-JP" altLang="en-US" smtClean="0"/>
-              <a:t>2018/12/25</a:t>
+              <a:t>2019/6/20</a:t>
             </a:fld>
             <a:endParaRPr kumimoji="1" lang="ja-JP" altLang="en-US"/>
           </a:p>
@@ -469,7 +471,7 @@
           <a:p>
             <a:fld id="{84FDC602-78CE-4E55-AA60-D77D020DA79C}" type="datetimeFigureOut">
               <a:rPr kumimoji="1" lang="ja-JP" altLang="en-US" smtClean="0"/>
-              <a:t>2018/12/25</a:t>
+              <a:t>2019/6/20</a:t>
             </a:fld>
             <a:endParaRPr kumimoji="1" lang="ja-JP" altLang="en-US"/>
           </a:p>
@@ -681,7 +683,7 @@
           <a:p>
             <a:fld id="{84FDC602-78CE-4E55-AA60-D77D020DA79C}" type="datetimeFigureOut">
               <a:rPr kumimoji="1" lang="ja-JP" altLang="en-US" smtClean="0"/>
-              <a:t>2018/12/25</a:t>
+              <a:t>2019/6/20</a:t>
             </a:fld>
             <a:endParaRPr kumimoji="1" lang="ja-JP" altLang="en-US"/>
           </a:p>
@@ -883,7 +885,7 @@
           <a:p>
             <a:fld id="{84FDC602-78CE-4E55-AA60-D77D020DA79C}" type="datetimeFigureOut">
               <a:rPr kumimoji="1" lang="ja-JP" altLang="en-US" smtClean="0"/>
-              <a:t>2018/12/25</a:t>
+              <a:t>2019/6/20</a:t>
             </a:fld>
             <a:endParaRPr kumimoji="1" lang="ja-JP" altLang="en-US"/>
           </a:p>
@@ -1127,7 +1129,7 @@
           <a:p>
             <a:fld id="{84FDC602-78CE-4E55-AA60-D77D020DA79C}" type="datetimeFigureOut">
               <a:rPr kumimoji="1" lang="ja-JP" altLang="en-US" smtClean="0"/>
-              <a:t>2018/12/25</a:t>
+              <a:t>2019/6/20</a:t>
             </a:fld>
             <a:endParaRPr kumimoji="1" lang="ja-JP" altLang="en-US"/>
           </a:p>
@@ -1423,7 +1425,7 @@
           <a:p>
             <a:fld id="{84FDC602-78CE-4E55-AA60-D77D020DA79C}" type="datetimeFigureOut">
               <a:rPr kumimoji="1" lang="ja-JP" altLang="en-US" smtClean="0"/>
-              <a:t>2018/12/25</a:t>
+              <a:t>2019/6/20</a:t>
             </a:fld>
             <a:endParaRPr kumimoji="1" lang="ja-JP" altLang="en-US"/>
           </a:p>
@@ -1854,7 +1856,7 @@
           <a:p>
             <a:fld id="{84FDC602-78CE-4E55-AA60-D77D020DA79C}" type="datetimeFigureOut">
               <a:rPr kumimoji="1" lang="ja-JP" altLang="en-US" smtClean="0"/>
-              <a:t>2018/12/25</a:t>
+              <a:t>2019/6/20</a:t>
             </a:fld>
             <a:endParaRPr kumimoji="1" lang="ja-JP" altLang="en-US"/>
           </a:p>
@@ -1972,7 +1974,7 @@
           <a:p>
             <a:fld id="{84FDC602-78CE-4E55-AA60-D77D020DA79C}" type="datetimeFigureOut">
               <a:rPr kumimoji="1" lang="ja-JP" altLang="en-US" smtClean="0"/>
-              <a:t>2018/12/25</a:t>
+              <a:t>2019/6/20</a:t>
             </a:fld>
             <a:endParaRPr kumimoji="1" lang="ja-JP" altLang="en-US"/>
           </a:p>
@@ -2067,7 +2069,7 @@
           <a:p>
             <a:fld id="{84FDC602-78CE-4E55-AA60-D77D020DA79C}" type="datetimeFigureOut">
               <a:rPr kumimoji="1" lang="ja-JP" altLang="en-US" smtClean="0"/>
-              <a:t>2018/12/25</a:t>
+              <a:t>2019/6/20</a:t>
             </a:fld>
             <a:endParaRPr kumimoji="1" lang="ja-JP" altLang="en-US"/>
           </a:p>
@@ -2376,7 +2378,7 @@
           <a:p>
             <a:fld id="{84FDC602-78CE-4E55-AA60-D77D020DA79C}" type="datetimeFigureOut">
               <a:rPr kumimoji="1" lang="ja-JP" altLang="en-US" smtClean="0"/>
-              <a:t>2018/12/25</a:t>
+              <a:t>2019/6/20</a:t>
             </a:fld>
             <a:endParaRPr kumimoji="1" lang="ja-JP" altLang="en-US"/>
           </a:p>
@@ -2633,7 +2635,7 @@
           <a:p>
             <a:fld id="{84FDC602-78CE-4E55-AA60-D77D020DA79C}" type="datetimeFigureOut">
               <a:rPr kumimoji="1" lang="ja-JP" altLang="en-US" smtClean="0"/>
-              <a:t>2018/12/25</a:t>
+              <a:t>2019/6/20</a:t>
             </a:fld>
             <a:endParaRPr kumimoji="1" lang="ja-JP" altLang="en-US"/>
           </a:p>
@@ -2878,7 +2880,7 @@
           <a:p>
             <a:fld id="{84FDC602-78CE-4E55-AA60-D77D020DA79C}" type="datetimeFigureOut">
               <a:rPr kumimoji="1" lang="ja-JP" altLang="en-US" smtClean="0"/>
-              <a:t>2018/12/25</a:t>
+              <a:t>2019/6/20</a:t>
             </a:fld>
             <a:endParaRPr kumimoji="1" lang="ja-JP" altLang="en-US"/>
           </a:p>
@@ -3331,6 +3333,13 @@
   <p:clrMapOvr>
     <a:masterClrMapping/>
   </p:clrMapOvr>
+  <p:timing>
+    <p:tnLst>
+      <p:par>
+        <p:cTn id="1" dur="indefinite" restart="never" nodeType="tmRoot"/>
+      </p:par>
+    </p:tnLst>
+  </p:timing>
 </p:sld>
 </file>
 
@@ -4467,6 +4476,13 @@
   <p:clrMapOvr>
     <a:masterClrMapping/>
   </p:clrMapOvr>
+  <p:timing>
+    <p:tnLst>
+      <p:par>
+        <p:cTn id="1" dur="indefinite" restart="never" nodeType="tmRoot"/>
+      </p:par>
+    </p:tnLst>
+  </p:timing>
 </p:sld>
 </file>
 
@@ -5770,6 +5786,1658 @@
     <p:extLst>
       <p:ext uri="{BB962C8B-B14F-4D97-AF65-F5344CB8AC3E}">
         <p14:creationId xmlns:p14="http://schemas.microsoft.com/office/powerpoint/2010/main" val="2534297877"/>
+      </p:ext>
+    </p:extLst>
+  </p:cSld>
+  <p:clrMapOvr>
+    <a:masterClrMapping/>
+  </p:clrMapOvr>
+</p:sld>
+</file>
+
+<file path=ppt/slides/slide4.xml><?xml version="1.0" encoding="utf-8"?>
+<p:sld xmlns:a="http://schemas.openxmlformats.org/drawingml/2006/main" xmlns:r="http://schemas.openxmlformats.org/officeDocument/2006/relationships" xmlns:p="http://schemas.openxmlformats.org/presentationml/2006/main">
+  <p:cSld>
+    <p:spTree>
+      <p:nvGrpSpPr>
+        <p:cNvPr id="1" name=""/>
+        <p:cNvGrpSpPr/>
+        <p:nvPr/>
+      </p:nvGrpSpPr>
+      <p:grpSpPr>
+        <a:xfrm>
+          <a:off x="0" y="0"/>
+          <a:ext cx="0" cy="0"/>
+          <a:chOff x="0" y="0"/>
+          <a:chExt cx="0" cy="0"/>
+        </a:xfrm>
+      </p:grpSpPr>
+      <p:sp>
+        <p:nvSpPr>
+          <p:cNvPr id="5" name="タイトル 3">
+            <a:extLst>
+              <a:ext uri="{FF2B5EF4-FFF2-40B4-BE49-F238E27FC236}">
+                <a16:creationId xmlns:a16="http://schemas.microsoft.com/office/drawing/2014/main" id="{7D9CCAC0-4A1D-4D06-83B3-B919D1D4CCDA}"/>
+              </a:ext>
+            </a:extLst>
+          </p:cNvPr>
+          <p:cNvSpPr txBox="1">
+            <a:spLocks/>
+          </p:cNvSpPr>
+          <p:nvPr/>
+        </p:nvSpPr>
+        <p:spPr>
+          <a:xfrm>
+            <a:off x="581871" y="225510"/>
+            <a:ext cx="3756739" cy="876302"/>
+          </a:xfrm>
+          <a:prstGeom prst="rect">
+            <a:avLst/>
+          </a:prstGeom>
+        </p:spPr>
+        <p:txBody>
+          <a:bodyPr vert="horz" lIns="91440" tIns="45720" rIns="91440" bIns="45720" rtlCol="0" anchor="ctr">
+            <a:normAutofit fontScale="85000" lnSpcReduction="10000"/>
+          </a:bodyPr>
+          <a:lstStyle>
+            <a:lvl1pPr algn="l" defTabSz="914400" rtl="0" eaLnBrk="1" latinLnBrk="0" hangingPunct="1">
+              <a:lnSpc>
+                <a:spcPct val="90000"/>
+              </a:lnSpc>
+              <a:spcBef>
+                <a:spcPct val="0"/>
+              </a:spcBef>
+              <a:buNone/>
+              <a:defRPr kumimoji="1" sz="4400" kern="1200">
+                <a:solidFill>
+                  <a:schemeClr val="tx1"/>
+                </a:solidFill>
+                <a:latin typeface="+mj-lt"/>
+                <a:ea typeface="+mj-ea"/>
+                <a:cs typeface="+mj-cs"/>
+              </a:defRPr>
+            </a:lvl1pPr>
+          </a:lstStyle>
+          <a:p>
+            <a:r>
+              <a:rPr lang="en-US" altLang="ja-JP" dirty="0" err="1" smtClean="0">
+                <a:latin typeface="AR DESTINE" panose="02000000000000000000" pitchFamily="2" charset="0"/>
+                <a:ea typeface="HGP創英角ﾎﾟｯﾌﾟ体" panose="040B0A00000000000000" pitchFamily="50" charset="-128"/>
+              </a:rPr>
+              <a:t>VR:Magic</a:t>
+            </a:r>
+            <a:r>
+              <a:rPr lang="en-US" altLang="ja-JP" sz="5400" dirty="0" err="1" smtClean="0">
+                <a:latin typeface="AR DESTINE" panose="02000000000000000000" pitchFamily="2" charset="0"/>
+                <a:ea typeface="HGP創英角ﾎﾟｯﾌﾟ体" panose="040B0A00000000000000" pitchFamily="50" charset="-128"/>
+              </a:rPr>
+              <a:t>D</a:t>
+            </a:r>
+            <a:r>
+              <a:rPr lang="en-US" altLang="ja-JP" dirty="0" err="1" smtClean="0">
+                <a:latin typeface="AR DESTINE" panose="02000000000000000000" pitchFamily="2" charset="0"/>
+                <a:ea typeface="HGP創英角ﾎﾟｯﾌﾟ体" panose="040B0A00000000000000" pitchFamily="50" charset="-128"/>
+              </a:rPr>
+              <a:t>ancer</a:t>
+            </a:r>
+            <a:endParaRPr lang="ja-JP" altLang="en-US" dirty="0">
+              <a:latin typeface="AR DESTINE" panose="02000000000000000000" pitchFamily="2" charset="0"/>
+              <a:ea typeface="HGP創英角ﾎﾟｯﾌﾟ体" panose="040B0A00000000000000" pitchFamily="50" charset="-128"/>
+            </a:endParaRPr>
+          </a:p>
+        </p:txBody>
+      </p:sp>
+      <p:sp>
+        <p:nvSpPr>
+          <p:cNvPr id="6" name="テキスト ボックス 5">
+            <a:extLst>
+              <a:ext uri="{FF2B5EF4-FFF2-40B4-BE49-F238E27FC236}">
+                <a16:creationId xmlns:a16="http://schemas.microsoft.com/office/drawing/2014/main" id="{9C73E4A1-37DB-4FA1-94A4-8311647FFC0F}"/>
+              </a:ext>
+            </a:extLst>
+          </p:cNvPr>
+          <p:cNvSpPr txBox="1"/>
+          <p:nvPr/>
+        </p:nvSpPr>
+        <p:spPr>
+          <a:xfrm>
+            <a:off x="5257656" y="201996"/>
+            <a:ext cx="4020031" cy="923330"/>
+          </a:xfrm>
+          <a:prstGeom prst="rect">
+            <a:avLst/>
+          </a:prstGeom>
+          <a:noFill/>
+        </p:spPr>
+        <p:txBody>
+          <a:bodyPr wrap="square" rtlCol="0">
+            <a:spAutoFit/>
+          </a:bodyPr>
+          <a:lstStyle/>
+          <a:p>
+            <a:r>
+              <a:rPr lang="ja-JP" altLang="en-US" dirty="0" smtClean="0">
+                <a:solidFill>
+                  <a:schemeClr val="tx1">
+                    <a:lumMod val="75000"/>
+                    <a:lumOff val="25000"/>
+                  </a:schemeClr>
+                </a:solidFill>
+                <a:latin typeface="HGP創英角ﾎﾟｯﾌﾟ体" panose="040B0A00000000000000" pitchFamily="50" charset="-128"/>
+                <a:ea typeface="HGP創英角ﾎﾟｯﾌﾟ体" panose="040B0A00000000000000" pitchFamily="50" charset="-128"/>
+              </a:rPr>
+              <a:t>ステップを組み合わせて</a:t>
+            </a:r>
+            <a:r>
+              <a:rPr lang="ja-JP" altLang="en-US" dirty="0">
+                <a:solidFill>
+                  <a:schemeClr val="tx1">
+                    <a:lumMod val="75000"/>
+                    <a:lumOff val="25000"/>
+                  </a:schemeClr>
+                </a:solidFill>
+                <a:latin typeface="HGP創英角ﾎﾟｯﾌﾟ体" panose="040B0A00000000000000" pitchFamily="50" charset="-128"/>
+                <a:ea typeface="HGP創英角ﾎﾟｯﾌﾟ体" panose="040B0A00000000000000" pitchFamily="50" charset="-128"/>
+              </a:rPr>
+              <a:t>敵を倒せ</a:t>
+            </a:r>
+            <a:r>
+              <a:rPr lang="ja-JP" altLang="en-US" dirty="0" smtClean="0">
+                <a:solidFill>
+                  <a:schemeClr val="tx1">
+                    <a:lumMod val="75000"/>
+                    <a:lumOff val="25000"/>
+                  </a:schemeClr>
+                </a:solidFill>
+                <a:latin typeface="HGP創英角ﾎﾟｯﾌﾟ体" panose="040B0A00000000000000" pitchFamily="50" charset="-128"/>
+                <a:ea typeface="HGP創英角ﾎﾟｯﾌﾟ体" panose="040B0A00000000000000" pitchFamily="50" charset="-128"/>
+              </a:rPr>
+              <a:t>！</a:t>
+            </a:r>
+            <a:endParaRPr lang="en-US" altLang="ja-JP" dirty="0" smtClean="0">
+              <a:solidFill>
+                <a:schemeClr val="tx1">
+                  <a:lumMod val="75000"/>
+                  <a:lumOff val="25000"/>
+                </a:schemeClr>
+              </a:solidFill>
+              <a:latin typeface="HGP創英角ﾎﾟｯﾌﾟ体" panose="040B0A00000000000000" pitchFamily="50" charset="-128"/>
+              <a:ea typeface="HGP創英角ﾎﾟｯﾌﾟ体" panose="040B0A00000000000000" pitchFamily="50" charset="-128"/>
+            </a:endParaRPr>
+          </a:p>
+          <a:p>
+            <a:r>
+              <a:rPr kumimoji="1" lang="ja-JP" altLang="en-US" dirty="0" smtClean="0">
+                <a:solidFill>
+                  <a:schemeClr val="tx1">
+                    <a:lumMod val="75000"/>
+                    <a:lumOff val="25000"/>
+                  </a:schemeClr>
+                </a:solidFill>
+                <a:latin typeface="HGP創英角ﾎﾟｯﾌﾟ体" panose="040B0A00000000000000" pitchFamily="50" charset="-128"/>
+                <a:ea typeface="HGP創英角ﾎﾟｯﾌﾟ体" panose="040B0A00000000000000" pitchFamily="50" charset="-128"/>
+              </a:rPr>
+              <a:t>しかし、敵も攻撃を仕掛けてくるので</a:t>
+            </a:r>
+            <a:endParaRPr kumimoji="1" lang="en-US" altLang="ja-JP" dirty="0" smtClean="0">
+              <a:solidFill>
+                <a:schemeClr val="tx1">
+                  <a:lumMod val="75000"/>
+                  <a:lumOff val="25000"/>
+                </a:schemeClr>
+              </a:solidFill>
+              <a:latin typeface="HGP創英角ﾎﾟｯﾌﾟ体" panose="040B0A00000000000000" pitchFamily="50" charset="-128"/>
+              <a:ea typeface="HGP創英角ﾎﾟｯﾌﾟ体" panose="040B0A00000000000000" pitchFamily="50" charset="-128"/>
+            </a:endParaRPr>
+          </a:p>
+          <a:p>
+            <a:r>
+              <a:rPr kumimoji="1" lang="ja-JP" altLang="en-US" dirty="0" smtClean="0">
+                <a:solidFill>
+                  <a:schemeClr val="tx1">
+                    <a:lumMod val="75000"/>
+                    <a:lumOff val="25000"/>
+                  </a:schemeClr>
+                </a:solidFill>
+                <a:latin typeface="HGP創英角ﾎﾟｯﾌﾟ体" panose="040B0A00000000000000" pitchFamily="50" charset="-128"/>
+                <a:ea typeface="HGP創英角ﾎﾟｯﾌﾟ体" panose="040B0A00000000000000" pitchFamily="50" charset="-128"/>
+              </a:rPr>
+              <a:t>注意が必要だ！</a:t>
+            </a:r>
+            <a:endParaRPr kumimoji="1" lang="en-US" altLang="ja-JP" dirty="0" smtClean="0">
+              <a:solidFill>
+                <a:schemeClr val="tx1">
+                  <a:lumMod val="75000"/>
+                  <a:lumOff val="25000"/>
+                </a:schemeClr>
+              </a:solidFill>
+              <a:latin typeface="HGP創英角ﾎﾟｯﾌﾟ体" panose="040B0A00000000000000" pitchFamily="50" charset="-128"/>
+              <a:ea typeface="HGP創英角ﾎﾟｯﾌﾟ体" panose="040B0A00000000000000" pitchFamily="50" charset="-128"/>
+            </a:endParaRPr>
+          </a:p>
+        </p:txBody>
+      </p:sp>
+      <p:sp>
+        <p:nvSpPr>
+          <p:cNvPr id="7" name="四角形: 角を丸くする 6">
+            <a:extLst>
+              <a:ext uri="{FF2B5EF4-FFF2-40B4-BE49-F238E27FC236}">
+                <a16:creationId xmlns:a16="http://schemas.microsoft.com/office/drawing/2014/main" id="{34268FBC-A5A0-4855-B4E1-0C7B2B70EDEF}"/>
+              </a:ext>
+            </a:extLst>
+          </p:cNvPr>
+          <p:cNvSpPr/>
+          <p:nvPr/>
+        </p:nvSpPr>
+        <p:spPr>
+          <a:xfrm>
+            <a:off x="268447" y="1179619"/>
+            <a:ext cx="4596348" cy="1341810"/>
+          </a:xfrm>
+          <a:prstGeom prst="roundRect">
+            <a:avLst/>
+          </a:prstGeom>
+          <a:solidFill>
+            <a:schemeClr val="tx2">
+              <a:lumMod val="60000"/>
+              <a:lumOff val="40000"/>
+            </a:schemeClr>
+          </a:solidFill>
+          <a:ln>
+            <a:noFill/>
+          </a:ln>
+        </p:spPr>
+        <p:style>
+          <a:lnRef idx="2">
+            <a:schemeClr val="accent3">
+              <a:shade val="50000"/>
+            </a:schemeClr>
+          </a:lnRef>
+          <a:fillRef idx="1">
+            <a:schemeClr val="accent3"/>
+          </a:fillRef>
+          <a:effectRef idx="0">
+            <a:schemeClr val="accent3"/>
+          </a:effectRef>
+          <a:fontRef idx="minor">
+            <a:schemeClr val="lt1"/>
+          </a:fontRef>
+        </p:style>
+        <p:txBody>
+          <a:bodyPr rtlCol="0" anchor="ctr"/>
+          <a:lstStyle/>
+          <a:p>
+            <a:pPr algn="ctr"/>
+            <a:endParaRPr kumimoji="1" lang="ja-JP" altLang="en-US"/>
+          </a:p>
+        </p:txBody>
+      </p:sp>
+      <p:sp>
+        <p:nvSpPr>
+          <p:cNvPr id="8" name="テキスト ボックス 7">
+            <a:extLst>
+              <a:ext uri="{FF2B5EF4-FFF2-40B4-BE49-F238E27FC236}">
+                <a16:creationId xmlns:a16="http://schemas.microsoft.com/office/drawing/2014/main" id="{F4C783BF-E8E1-4B17-8EEE-A3719890F53A}"/>
+              </a:ext>
+            </a:extLst>
+          </p:cNvPr>
+          <p:cNvSpPr txBox="1"/>
+          <p:nvPr/>
+        </p:nvSpPr>
+        <p:spPr>
+          <a:xfrm>
+            <a:off x="581870" y="1385605"/>
+            <a:ext cx="4085227" cy="923330"/>
+          </a:xfrm>
+          <a:prstGeom prst="rect">
+            <a:avLst/>
+          </a:prstGeom>
+          <a:noFill/>
+        </p:spPr>
+        <p:txBody>
+          <a:bodyPr wrap="square" rtlCol="0" anchor="ctr">
+            <a:spAutoFit/>
+          </a:bodyPr>
+          <a:lstStyle/>
+          <a:p>
+            <a:r>
+              <a:rPr lang="ja-JP" altLang="en-US" dirty="0">
+                <a:solidFill>
+                  <a:schemeClr val="bg1"/>
+                </a:solidFill>
+                <a:latin typeface="HGP創英角ﾎﾟｯﾌﾟ体" panose="040B0A00000000000000" pitchFamily="50" charset="-128"/>
+                <a:ea typeface="HGP創英角ﾎﾟｯﾌﾟ体" panose="040B0A00000000000000" pitchFamily="50" charset="-128"/>
+              </a:rPr>
+              <a:t>プレイ人数</a:t>
+            </a:r>
+            <a:r>
+              <a:rPr lang="en-US" altLang="ja-JP" dirty="0">
+                <a:solidFill>
+                  <a:schemeClr val="bg1"/>
+                </a:solidFill>
+                <a:latin typeface="HGP創英角ﾎﾟｯﾌﾟ体" panose="040B0A00000000000000" pitchFamily="50" charset="-128"/>
+                <a:ea typeface="HGP創英角ﾎﾟｯﾌﾟ体" panose="040B0A00000000000000" pitchFamily="50" charset="-128"/>
+              </a:rPr>
+              <a:t>	</a:t>
+            </a:r>
+            <a:r>
+              <a:rPr lang="ja-JP" altLang="en-US" dirty="0">
+                <a:solidFill>
+                  <a:schemeClr val="bg1"/>
+                </a:solidFill>
+                <a:latin typeface="HGP創英角ﾎﾟｯﾌﾟ体" panose="040B0A00000000000000" pitchFamily="50" charset="-128"/>
+                <a:ea typeface="HGP創英角ﾎﾟｯﾌﾟ体" panose="040B0A00000000000000" pitchFamily="50" charset="-128"/>
+              </a:rPr>
+              <a:t>：</a:t>
+            </a:r>
+            <a:r>
+              <a:rPr lang="en-US" altLang="ja-JP" dirty="0">
+                <a:solidFill>
+                  <a:schemeClr val="bg1"/>
+                </a:solidFill>
+                <a:latin typeface="HGP創英角ﾎﾟｯﾌﾟ体" panose="040B0A00000000000000" pitchFamily="50" charset="-128"/>
+                <a:ea typeface="HGP創英角ﾎﾟｯﾌﾟ体" panose="040B0A00000000000000" pitchFamily="50" charset="-128"/>
+              </a:rPr>
+              <a:t>1</a:t>
+            </a:r>
+            <a:r>
+              <a:rPr lang="ja-JP" altLang="en-US" dirty="0">
+                <a:solidFill>
+                  <a:schemeClr val="bg1"/>
+                </a:solidFill>
+                <a:latin typeface="HGP創英角ﾎﾟｯﾌﾟ体" panose="040B0A00000000000000" pitchFamily="50" charset="-128"/>
+                <a:ea typeface="HGP創英角ﾎﾟｯﾌﾟ体" panose="040B0A00000000000000" pitchFamily="50" charset="-128"/>
+              </a:rPr>
+              <a:t>人</a:t>
+            </a:r>
+            <a:endParaRPr lang="en-US" altLang="ja-JP" dirty="0">
+              <a:solidFill>
+                <a:schemeClr val="bg1"/>
+              </a:solidFill>
+              <a:latin typeface="HGP創英角ﾎﾟｯﾌﾟ体" panose="040B0A00000000000000" pitchFamily="50" charset="-128"/>
+              <a:ea typeface="HGP創英角ﾎﾟｯﾌﾟ体" panose="040B0A00000000000000" pitchFamily="50" charset="-128"/>
+            </a:endParaRPr>
+          </a:p>
+          <a:p>
+            <a:r>
+              <a:rPr lang="ja-JP" altLang="en-US" dirty="0">
+                <a:solidFill>
+                  <a:schemeClr val="bg1"/>
+                </a:solidFill>
+                <a:latin typeface="HGP創英角ﾎﾟｯﾌﾟ体" panose="040B0A00000000000000" pitchFamily="50" charset="-128"/>
+                <a:ea typeface="HGP創英角ﾎﾟｯﾌﾟ体" panose="040B0A00000000000000" pitchFamily="50" charset="-128"/>
+              </a:rPr>
+              <a:t>ジャンル</a:t>
+            </a:r>
+            <a:r>
+              <a:rPr lang="en-US" altLang="ja-JP" dirty="0">
+                <a:solidFill>
+                  <a:schemeClr val="bg1"/>
+                </a:solidFill>
+                <a:latin typeface="HGP創英角ﾎﾟｯﾌﾟ体" panose="040B0A00000000000000" pitchFamily="50" charset="-128"/>
+                <a:ea typeface="HGP創英角ﾎﾟｯﾌﾟ体" panose="040B0A00000000000000" pitchFamily="50" charset="-128"/>
+              </a:rPr>
+              <a:t>	</a:t>
+            </a:r>
+            <a:r>
+              <a:rPr lang="en-US" altLang="ja-JP" dirty="0" smtClean="0">
+                <a:solidFill>
+                  <a:schemeClr val="bg1"/>
+                </a:solidFill>
+                <a:latin typeface="HGP創英角ﾎﾟｯﾌﾟ体" panose="040B0A00000000000000" pitchFamily="50" charset="-128"/>
+                <a:ea typeface="HGP創英角ﾎﾟｯﾌﾟ体" panose="040B0A00000000000000" pitchFamily="50" charset="-128"/>
+              </a:rPr>
+              <a:t>	</a:t>
+            </a:r>
+            <a:r>
+              <a:rPr lang="ja-JP" altLang="en-US" dirty="0" smtClean="0">
+                <a:solidFill>
+                  <a:schemeClr val="bg1"/>
+                </a:solidFill>
+                <a:latin typeface="HGP創英角ﾎﾟｯﾌﾟ体" panose="040B0A00000000000000" pitchFamily="50" charset="-128"/>
+                <a:ea typeface="HGP創英角ﾎﾟｯﾌﾟ体" panose="040B0A00000000000000" pitchFamily="50" charset="-128"/>
+              </a:rPr>
+              <a:t>：</a:t>
+            </a:r>
+            <a:r>
+              <a:rPr lang="en-US" altLang="ja-JP" dirty="0" smtClean="0">
+                <a:solidFill>
+                  <a:schemeClr val="bg1"/>
+                </a:solidFill>
+                <a:latin typeface="HGP創英角ﾎﾟｯﾌﾟ体" panose="040B0A00000000000000" pitchFamily="50" charset="-128"/>
+                <a:ea typeface="HGP創英角ﾎﾟｯﾌﾟ体" panose="040B0A00000000000000" pitchFamily="50" charset="-128"/>
+              </a:rPr>
+              <a:t>VR</a:t>
+            </a:r>
+            <a:r>
+              <a:rPr lang="ja-JP" altLang="en-US" dirty="0" smtClean="0">
+                <a:solidFill>
+                  <a:schemeClr val="bg1"/>
+                </a:solidFill>
+                <a:latin typeface="HGP創英角ﾎﾟｯﾌﾟ体" panose="040B0A00000000000000" pitchFamily="50" charset="-128"/>
+                <a:ea typeface="HGP創英角ﾎﾟｯﾌﾟ体" panose="040B0A00000000000000" pitchFamily="50" charset="-128"/>
+              </a:rPr>
+              <a:t>・リズムアクション</a:t>
+            </a:r>
+            <a:endParaRPr lang="en-US" altLang="ja-JP" dirty="0" smtClean="0">
+              <a:solidFill>
+                <a:schemeClr val="bg1"/>
+              </a:solidFill>
+              <a:latin typeface="HGP創英角ﾎﾟｯﾌﾟ体" panose="040B0A00000000000000" pitchFamily="50" charset="-128"/>
+              <a:ea typeface="HGP創英角ﾎﾟｯﾌﾟ体" panose="040B0A00000000000000" pitchFamily="50" charset="-128"/>
+            </a:endParaRPr>
+          </a:p>
+          <a:p>
+            <a:r>
+              <a:rPr lang="ja-JP" altLang="en-US" dirty="0" smtClean="0">
+                <a:solidFill>
+                  <a:schemeClr val="bg1"/>
+                </a:solidFill>
+                <a:latin typeface="HGP創英角ﾎﾟｯﾌﾟ体" panose="040B0A00000000000000" pitchFamily="50" charset="-128"/>
+                <a:ea typeface="HGP創英角ﾎﾟｯﾌﾟ体" panose="040B0A00000000000000" pitchFamily="50" charset="-128"/>
+              </a:rPr>
+              <a:t>使う部位</a:t>
+            </a:r>
+            <a:r>
+              <a:rPr lang="en-US" altLang="ja-JP" dirty="0" smtClean="0">
+                <a:solidFill>
+                  <a:schemeClr val="bg1"/>
+                </a:solidFill>
+                <a:latin typeface="HGP創英角ﾎﾟｯﾌﾟ体" panose="040B0A00000000000000" pitchFamily="50" charset="-128"/>
+                <a:ea typeface="HGP創英角ﾎﾟｯﾌﾟ体" panose="040B0A00000000000000" pitchFamily="50" charset="-128"/>
+              </a:rPr>
+              <a:t>		</a:t>
+            </a:r>
+            <a:r>
+              <a:rPr lang="ja-JP" altLang="en-US" dirty="0" smtClean="0">
+                <a:solidFill>
+                  <a:schemeClr val="bg1"/>
+                </a:solidFill>
+                <a:latin typeface="HGP創英角ﾎﾟｯﾌﾟ体" panose="040B0A00000000000000" pitchFamily="50" charset="-128"/>
+                <a:ea typeface="HGP創英角ﾎﾟｯﾌﾟ体" panose="040B0A00000000000000" pitchFamily="50" charset="-128"/>
+              </a:rPr>
+              <a:t>：足</a:t>
+            </a:r>
+            <a:endParaRPr lang="en-US" altLang="ja-JP" dirty="0">
+              <a:solidFill>
+                <a:schemeClr val="bg1"/>
+              </a:solidFill>
+              <a:latin typeface="HGP創英角ﾎﾟｯﾌﾟ体" panose="040B0A00000000000000" pitchFamily="50" charset="-128"/>
+              <a:ea typeface="HGP創英角ﾎﾟｯﾌﾟ体" panose="040B0A00000000000000" pitchFamily="50" charset="-128"/>
+            </a:endParaRPr>
+          </a:p>
+        </p:txBody>
+      </p:sp>
+      <p:sp>
+        <p:nvSpPr>
+          <p:cNvPr id="9" name="四角形: 角を丸くする 4">
+            <a:extLst>
+              <a:ext uri="{FF2B5EF4-FFF2-40B4-BE49-F238E27FC236}">
+                <a16:creationId xmlns:a16="http://schemas.microsoft.com/office/drawing/2014/main" id="{3E3299D0-5526-46AB-A1D5-413E41A37F56}"/>
+              </a:ext>
+            </a:extLst>
+          </p:cNvPr>
+          <p:cNvSpPr/>
+          <p:nvPr/>
+        </p:nvSpPr>
+        <p:spPr>
+          <a:xfrm>
+            <a:off x="268447" y="2599236"/>
+            <a:ext cx="4596348" cy="3977733"/>
+          </a:xfrm>
+          <a:prstGeom prst="roundRect">
+            <a:avLst/>
+          </a:prstGeom>
+          <a:solidFill>
+            <a:schemeClr val="accent1">
+              <a:lumMod val="20000"/>
+              <a:lumOff val="80000"/>
+            </a:schemeClr>
+          </a:solidFill>
+          <a:ln>
+            <a:noFill/>
+          </a:ln>
+        </p:spPr>
+        <p:style>
+          <a:lnRef idx="2">
+            <a:schemeClr val="accent3">
+              <a:shade val="50000"/>
+            </a:schemeClr>
+          </a:lnRef>
+          <a:fillRef idx="1">
+            <a:schemeClr val="accent3"/>
+          </a:fillRef>
+          <a:effectRef idx="0">
+            <a:schemeClr val="accent3"/>
+          </a:effectRef>
+          <a:fontRef idx="minor">
+            <a:schemeClr val="lt1"/>
+          </a:fontRef>
+        </p:style>
+        <p:txBody>
+          <a:bodyPr rtlCol="0" anchor="ctr"/>
+          <a:lstStyle/>
+          <a:p>
+            <a:pPr algn="ctr"/>
+            <a:endParaRPr kumimoji="1" lang="ja-JP" altLang="en-US"/>
+          </a:p>
+        </p:txBody>
+      </p:sp>
+      <p:sp>
+        <p:nvSpPr>
+          <p:cNvPr id="10" name="テキスト ボックス 9">
+            <a:extLst>
+              <a:ext uri="{FF2B5EF4-FFF2-40B4-BE49-F238E27FC236}">
+                <a16:creationId xmlns:a16="http://schemas.microsoft.com/office/drawing/2014/main" id="{36AFEA53-C1D9-4E1D-9000-E7113C14DCF2}"/>
+              </a:ext>
+            </a:extLst>
+          </p:cNvPr>
+          <p:cNvSpPr txBox="1"/>
+          <p:nvPr/>
+        </p:nvSpPr>
+        <p:spPr>
+          <a:xfrm>
+            <a:off x="343352" y="3013729"/>
+            <a:ext cx="4446535" cy="3139321"/>
+          </a:xfrm>
+          <a:prstGeom prst="rect">
+            <a:avLst/>
+          </a:prstGeom>
+          <a:noFill/>
+        </p:spPr>
+        <p:txBody>
+          <a:bodyPr wrap="square" rtlCol="0" anchor="ctr">
+            <a:spAutoFit/>
+          </a:bodyPr>
+          <a:lstStyle/>
+          <a:p>
+            <a:pPr algn="ctr"/>
+            <a:r>
+              <a:rPr lang="ja-JP" altLang="en-US" dirty="0" smtClean="0">
+                <a:solidFill>
+                  <a:schemeClr val="tx1">
+                    <a:lumMod val="75000"/>
+                    <a:lumOff val="25000"/>
+                  </a:schemeClr>
+                </a:solidFill>
+                <a:latin typeface="HGP創英角ﾎﾟｯﾌﾟ体" panose="040B0A00000000000000" pitchFamily="50" charset="-128"/>
+                <a:ea typeface="HGP創英角ﾎﾟｯﾌﾟ体" panose="040B0A00000000000000" pitchFamily="50" charset="-128"/>
+              </a:rPr>
+              <a:t>求められる動きは、</a:t>
+            </a:r>
+            <a:endParaRPr lang="en-US" altLang="ja-JP" dirty="0" smtClean="0">
+              <a:solidFill>
+                <a:schemeClr val="tx1">
+                  <a:lumMod val="75000"/>
+                  <a:lumOff val="25000"/>
+                </a:schemeClr>
+              </a:solidFill>
+              <a:latin typeface="HGP創英角ﾎﾟｯﾌﾟ体" panose="040B0A00000000000000" pitchFamily="50" charset="-128"/>
+              <a:ea typeface="HGP創英角ﾎﾟｯﾌﾟ体" panose="040B0A00000000000000" pitchFamily="50" charset="-128"/>
+            </a:endParaRPr>
+          </a:p>
+          <a:p>
+            <a:pPr algn="ctr"/>
+            <a:r>
+              <a:rPr lang="ja-JP" altLang="en-US" dirty="0" smtClean="0">
+                <a:solidFill>
+                  <a:schemeClr val="tx1">
+                    <a:lumMod val="75000"/>
+                    <a:lumOff val="25000"/>
+                  </a:schemeClr>
+                </a:solidFill>
+                <a:latin typeface="HGP創英角ﾎﾟｯﾌﾟ体" panose="040B0A00000000000000" pitchFamily="50" charset="-128"/>
+                <a:ea typeface="HGP創英角ﾎﾟｯﾌﾟ体" panose="040B0A00000000000000" pitchFamily="50" charset="-128"/>
+              </a:rPr>
+              <a:t>避ける・ステップを踏む</a:t>
+            </a:r>
+            <a:endParaRPr lang="en-US" altLang="ja-JP" dirty="0" smtClean="0">
+              <a:solidFill>
+                <a:schemeClr val="tx1">
+                  <a:lumMod val="75000"/>
+                  <a:lumOff val="25000"/>
+                </a:schemeClr>
+              </a:solidFill>
+              <a:latin typeface="HGP創英角ﾎﾟｯﾌﾟ体" panose="040B0A00000000000000" pitchFamily="50" charset="-128"/>
+              <a:ea typeface="HGP創英角ﾎﾟｯﾌﾟ体" panose="040B0A00000000000000" pitchFamily="50" charset="-128"/>
+            </a:endParaRPr>
+          </a:p>
+          <a:p>
+            <a:pPr algn="ctr"/>
+            <a:endParaRPr lang="en-US" altLang="ja-JP" dirty="0">
+              <a:solidFill>
+                <a:schemeClr val="tx1">
+                  <a:lumMod val="75000"/>
+                  <a:lumOff val="25000"/>
+                </a:schemeClr>
+              </a:solidFill>
+              <a:latin typeface="HGP創英角ﾎﾟｯﾌﾟ体" panose="040B0A00000000000000" pitchFamily="50" charset="-128"/>
+              <a:ea typeface="HGP創英角ﾎﾟｯﾌﾟ体" panose="040B0A00000000000000" pitchFamily="50" charset="-128"/>
+            </a:endParaRPr>
+          </a:p>
+          <a:p>
+            <a:pPr algn="ctr"/>
+            <a:r>
+              <a:rPr lang="ja-JP" altLang="en-US" dirty="0" smtClean="0">
+                <a:solidFill>
+                  <a:schemeClr val="tx1">
+                    <a:lumMod val="75000"/>
+                    <a:lumOff val="25000"/>
+                  </a:schemeClr>
+                </a:solidFill>
+                <a:latin typeface="HGP創英角ﾎﾟｯﾌﾟ体" panose="040B0A00000000000000" pitchFamily="50" charset="-128"/>
+                <a:ea typeface="HGP創英角ﾎﾟｯﾌﾟ体" panose="040B0A00000000000000" pitchFamily="50" charset="-128"/>
+              </a:rPr>
+              <a:t>これを繰り返して、敵を倒せ！</a:t>
+            </a:r>
+            <a:endParaRPr lang="en-US" altLang="ja-JP" dirty="0" smtClean="0">
+              <a:solidFill>
+                <a:schemeClr val="tx1">
+                  <a:lumMod val="75000"/>
+                  <a:lumOff val="25000"/>
+                </a:schemeClr>
+              </a:solidFill>
+              <a:latin typeface="HGP創英角ﾎﾟｯﾌﾟ体" panose="040B0A00000000000000" pitchFamily="50" charset="-128"/>
+              <a:ea typeface="HGP創英角ﾎﾟｯﾌﾟ体" panose="040B0A00000000000000" pitchFamily="50" charset="-128"/>
+            </a:endParaRPr>
+          </a:p>
+          <a:p>
+            <a:pPr algn="ctr"/>
+            <a:endParaRPr lang="en-US" altLang="ja-JP" dirty="0" smtClean="0">
+              <a:solidFill>
+                <a:schemeClr val="tx1">
+                  <a:lumMod val="75000"/>
+                  <a:lumOff val="25000"/>
+                </a:schemeClr>
+              </a:solidFill>
+              <a:latin typeface="HGP創英角ﾎﾟｯﾌﾟ体" panose="040B0A00000000000000" pitchFamily="50" charset="-128"/>
+              <a:ea typeface="HGP創英角ﾎﾟｯﾌﾟ体" panose="040B0A00000000000000" pitchFamily="50" charset="-128"/>
+            </a:endParaRPr>
+          </a:p>
+          <a:p>
+            <a:pPr algn="ctr"/>
+            <a:endParaRPr lang="en-US" altLang="ja-JP" dirty="0">
+              <a:solidFill>
+                <a:schemeClr val="tx1">
+                  <a:lumMod val="75000"/>
+                  <a:lumOff val="25000"/>
+                </a:schemeClr>
+              </a:solidFill>
+              <a:latin typeface="HGP創英角ﾎﾟｯﾌﾟ体" panose="040B0A00000000000000" pitchFamily="50" charset="-128"/>
+              <a:ea typeface="HGP創英角ﾎﾟｯﾌﾟ体" panose="040B0A00000000000000" pitchFamily="50" charset="-128"/>
+            </a:endParaRPr>
+          </a:p>
+          <a:p>
+            <a:pPr algn="ctr"/>
+            <a:r>
+              <a:rPr lang="ja-JP" altLang="en-US" dirty="0" smtClean="0">
+                <a:solidFill>
+                  <a:schemeClr val="tx1">
+                    <a:lumMod val="75000"/>
+                    <a:lumOff val="25000"/>
+                  </a:schemeClr>
+                </a:solidFill>
+                <a:latin typeface="HGP創英角ﾎﾟｯﾌﾟ体" panose="040B0A00000000000000" pitchFamily="50" charset="-128"/>
+                <a:ea typeface="HGP創英角ﾎﾟｯﾌﾟ体" panose="040B0A00000000000000" pitchFamily="50" charset="-128"/>
+              </a:rPr>
+              <a:t>避ける動作時も</a:t>
+            </a:r>
+            <a:endParaRPr lang="en-US" altLang="ja-JP" dirty="0" smtClean="0">
+              <a:solidFill>
+                <a:schemeClr val="tx1">
+                  <a:lumMod val="75000"/>
+                  <a:lumOff val="25000"/>
+                </a:schemeClr>
+              </a:solidFill>
+              <a:latin typeface="HGP創英角ﾎﾟｯﾌﾟ体" panose="040B0A00000000000000" pitchFamily="50" charset="-128"/>
+              <a:ea typeface="HGP創英角ﾎﾟｯﾌﾟ体" panose="040B0A00000000000000" pitchFamily="50" charset="-128"/>
+            </a:endParaRPr>
+          </a:p>
+          <a:p>
+            <a:pPr algn="ctr"/>
+            <a:r>
+              <a:rPr lang="ja-JP" altLang="en-US" dirty="0" smtClean="0">
+                <a:solidFill>
+                  <a:schemeClr val="tx1">
+                    <a:lumMod val="75000"/>
+                    <a:lumOff val="25000"/>
+                  </a:schemeClr>
+                </a:solidFill>
+                <a:latin typeface="HGP創英角ﾎﾟｯﾌﾟ体" panose="040B0A00000000000000" pitchFamily="50" charset="-128"/>
+                <a:ea typeface="HGP創英角ﾎﾟｯﾌﾟ体" panose="040B0A00000000000000" pitchFamily="50" charset="-128"/>
+              </a:rPr>
+              <a:t>ステップの</a:t>
+            </a:r>
+            <a:r>
+              <a:rPr lang="ja-JP" altLang="en-US" dirty="0" smtClean="0">
+                <a:solidFill>
+                  <a:schemeClr val="tx1">
+                    <a:lumMod val="75000"/>
+                    <a:lumOff val="25000"/>
+                  </a:schemeClr>
+                </a:solidFill>
+                <a:latin typeface="HGP創英角ﾎﾟｯﾌﾟ体" panose="040B0A00000000000000" pitchFamily="50" charset="-128"/>
+                <a:ea typeface="HGP創英角ﾎﾟｯﾌﾟ体" panose="040B0A00000000000000" pitchFamily="50" charset="-128"/>
+              </a:rPr>
+              <a:t>カウントがされるので</a:t>
+            </a:r>
+            <a:endParaRPr lang="en-US" altLang="ja-JP" dirty="0" smtClean="0">
+              <a:solidFill>
+                <a:schemeClr val="tx1">
+                  <a:lumMod val="75000"/>
+                  <a:lumOff val="25000"/>
+                </a:schemeClr>
+              </a:solidFill>
+              <a:latin typeface="HGP創英角ﾎﾟｯﾌﾟ体" panose="040B0A00000000000000" pitchFamily="50" charset="-128"/>
+              <a:ea typeface="HGP創英角ﾎﾟｯﾌﾟ体" panose="040B0A00000000000000" pitchFamily="50" charset="-128"/>
+            </a:endParaRPr>
+          </a:p>
+          <a:p>
+            <a:pPr algn="ctr"/>
+            <a:endParaRPr lang="en-US" altLang="ja-JP" dirty="0" smtClean="0">
+              <a:solidFill>
+                <a:schemeClr val="tx1">
+                  <a:lumMod val="75000"/>
+                  <a:lumOff val="25000"/>
+                </a:schemeClr>
+              </a:solidFill>
+              <a:latin typeface="HGP創英角ﾎﾟｯﾌﾟ体" panose="040B0A00000000000000" pitchFamily="50" charset="-128"/>
+              <a:ea typeface="HGP創英角ﾎﾟｯﾌﾟ体" panose="040B0A00000000000000" pitchFamily="50" charset="-128"/>
+            </a:endParaRPr>
+          </a:p>
+          <a:p>
+            <a:pPr algn="ctr"/>
+            <a:r>
+              <a:rPr lang="ja-JP" altLang="en-US" dirty="0" smtClean="0">
+                <a:solidFill>
+                  <a:schemeClr val="tx1">
+                    <a:lumMod val="75000"/>
+                    <a:lumOff val="25000"/>
+                  </a:schemeClr>
+                </a:solidFill>
+                <a:latin typeface="HGP創英角ﾎﾟｯﾌﾟ体" panose="040B0A00000000000000" pitchFamily="50" charset="-128"/>
+                <a:ea typeface="HGP創英角ﾎﾟｯﾌﾟ体" panose="040B0A00000000000000" pitchFamily="50" charset="-128"/>
+              </a:rPr>
+              <a:t>避けながら攻撃を</a:t>
+            </a:r>
+            <a:endParaRPr lang="en-US" altLang="ja-JP" dirty="0" smtClean="0">
+              <a:solidFill>
+                <a:schemeClr val="tx1">
+                  <a:lumMod val="75000"/>
+                  <a:lumOff val="25000"/>
+                </a:schemeClr>
+              </a:solidFill>
+              <a:latin typeface="HGP創英角ﾎﾟｯﾌﾟ体" panose="040B0A00000000000000" pitchFamily="50" charset="-128"/>
+              <a:ea typeface="HGP創英角ﾎﾟｯﾌﾟ体" panose="040B0A00000000000000" pitchFamily="50" charset="-128"/>
+            </a:endParaRPr>
+          </a:p>
+          <a:p>
+            <a:pPr algn="ctr"/>
+            <a:r>
+              <a:rPr lang="ja-JP" altLang="en-US" dirty="0" smtClean="0">
+                <a:solidFill>
+                  <a:schemeClr val="tx1">
+                    <a:lumMod val="75000"/>
+                    <a:lumOff val="25000"/>
+                  </a:schemeClr>
+                </a:solidFill>
+                <a:latin typeface="HGP創英角ﾎﾟｯﾌﾟ体" panose="040B0A00000000000000" pitchFamily="50" charset="-128"/>
+                <a:ea typeface="HGP創英角ﾎﾟｯﾌﾟ体" panose="040B0A00000000000000" pitchFamily="50" charset="-128"/>
+              </a:rPr>
+              <a:t>仕掛けることもできるぞ</a:t>
+            </a:r>
+            <a:r>
+              <a:rPr lang="en-US" altLang="ja-JP" dirty="0" smtClean="0">
+                <a:solidFill>
+                  <a:schemeClr val="tx1">
+                    <a:lumMod val="75000"/>
+                    <a:lumOff val="25000"/>
+                  </a:schemeClr>
+                </a:solidFill>
+                <a:latin typeface="HGP創英角ﾎﾟｯﾌﾟ体" panose="040B0A00000000000000" pitchFamily="50" charset="-128"/>
+                <a:ea typeface="HGP創英角ﾎﾟｯﾌﾟ体" panose="040B0A00000000000000" pitchFamily="50" charset="-128"/>
+              </a:rPr>
+              <a:t>!!</a:t>
+            </a:r>
+            <a:endParaRPr lang="en-US" altLang="ja-JP" dirty="0">
+              <a:solidFill>
+                <a:schemeClr val="tx1">
+                  <a:lumMod val="75000"/>
+                  <a:lumOff val="25000"/>
+                </a:schemeClr>
+              </a:solidFill>
+              <a:latin typeface="HGP創英角ﾎﾟｯﾌﾟ体" panose="040B0A00000000000000" pitchFamily="50" charset="-128"/>
+              <a:ea typeface="HGP創英角ﾎﾟｯﾌﾟ体" panose="040B0A00000000000000" pitchFamily="50" charset="-128"/>
+            </a:endParaRPr>
+          </a:p>
+        </p:txBody>
+      </p:sp>
+      <p:sp>
+        <p:nvSpPr>
+          <p:cNvPr id="13" name="四角形: 角を丸くする 4">
+            <a:extLst>
+              <a:ext uri="{FF2B5EF4-FFF2-40B4-BE49-F238E27FC236}">
+                <a16:creationId xmlns:a16="http://schemas.microsoft.com/office/drawing/2014/main" id="{3E3299D0-5526-46AB-A1D5-413E41A37F56}"/>
+              </a:ext>
+            </a:extLst>
+          </p:cNvPr>
+          <p:cNvSpPr/>
+          <p:nvPr/>
+        </p:nvSpPr>
+        <p:spPr>
+          <a:xfrm>
+            <a:off x="5014913" y="1718191"/>
+            <a:ext cx="4596348" cy="2223821"/>
+          </a:xfrm>
+          <a:prstGeom prst="roundRect">
+            <a:avLst/>
+          </a:prstGeom>
+          <a:solidFill>
+            <a:schemeClr val="accent1">
+              <a:lumMod val="20000"/>
+              <a:lumOff val="80000"/>
+            </a:schemeClr>
+          </a:solidFill>
+          <a:ln>
+            <a:noFill/>
+          </a:ln>
+        </p:spPr>
+        <p:style>
+          <a:lnRef idx="2">
+            <a:schemeClr val="accent3">
+              <a:shade val="50000"/>
+            </a:schemeClr>
+          </a:lnRef>
+          <a:fillRef idx="1">
+            <a:schemeClr val="accent3"/>
+          </a:fillRef>
+          <a:effectRef idx="0">
+            <a:schemeClr val="accent3"/>
+          </a:effectRef>
+          <a:fontRef idx="minor">
+            <a:schemeClr val="lt1"/>
+          </a:fontRef>
+        </p:style>
+        <p:txBody>
+          <a:bodyPr rtlCol="0" anchor="ctr"/>
+          <a:lstStyle/>
+          <a:p>
+            <a:pPr algn="ctr"/>
+            <a:endParaRPr kumimoji="1" lang="ja-JP" altLang="en-US"/>
+          </a:p>
+        </p:txBody>
+      </p:sp>
+      <p:grpSp>
+        <p:nvGrpSpPr>
+          <p:cNvPr id="23" name="グループ化 22"/>
+          <p:cNvGrpSpPr/>
+          <p:nvPr/>
+        </p:nvGrpSpPr>
+        <p:grpSpPr>
+          <a:xfrm>
+            <a:off x="5654447" y="1754864"/>
+            <a:ext cx="3317276" cy="2150474"/>
+            <a:chOff x="5654448" y="1776907"/>
+            <a:chExt cx="3317276" cy="2150474"/>
+          </a:xfrm>
+        </p:grpSpPr>
+        <p:sp>
+          <p:nvSpPr>
+            <p:cNvPr id="14" name="テキスト ボックス 13"/>
+            <p:cNvSpPr txBox="1"/>
+            <p:nvPr/>
+          </p:nvSpPr>
+          <p:spPr>
+            <a:xfrm>
+              <a:off x="5654448" y="2168631"/>
+              <a:ext cx="3317276" cy="1600438"/>
+            </a:xfrm>
+            <a:prstGeom prst="rect">
+              <a:avLst/>
+            </a:prstGeom>
+            <a:noFill/>
+          </p:spPr>
+          <p:txBody>
+            <a:bodyPr wrap="square" rtlCol="0">
+              <a:spAutoFit/>
+            </a:bodyPr>
+            <a:lstStyle/>
+            <a:p>
+              <a:pPr algn="ctr"/>
+              <a:r>
+                <a:rPr lang="ja-JP" altLang="en-US" sz="1400" dirty="0"/>
+                <a:t>□■□  ■□■  ■■■  ■■□  ■□</a:t>
+              </a:r>
+              <a:r>
+                <a:rPr lang="ja-JP" altLang="en-US" sz="1400" dirty="0" smtClean="0"/>
+                <a:t>□</a:t>
+              </a:r>
+            </a:p>
+            <a:p>
+              <a:pPr algn="ctr"/>
+              <a:r>
+                <a:rPr lang="ja-JP" altLang="en-US" sz="1400" dirty="0" smtClean="0"/>
+                <a:t/>
+              </a:r>
+              <a:br>
+                <a:rPr lang="ja-JP" altLang="en-US" sz="1400" dirty="0" smtClean="0"/>
+              </a:br>
+              <a:endParaRPr lang="ja-JP" altLang="en-US" sz="1400" dirty="0" smtClean="0"/>
+            </a:p>
+            <a:p>
+              <a:pPr algn="ctr"/>
+              <a:r>
+                <a:rPr lang="ja-JP" altLang="en-US" sz="1400" dirty="0" smtClean="0"/>
+                <a:t>□</a:t>
+              </a:r>
+              <a:r>
+                <a:rPr lang="ja-JP" altLang="en-US" sz="1400" dirty="0"/>
+                <a:t>□□  □●□  □□□  □□●  □□□</a:t>
+              </a:r>
+            </a:p>
+            <a:p>
+              <a:pPr algn="ctr"/>
+              <a:r>
+                <a:rPr lang="ja-JP" altLang="en-US" sz="1400" dirty="0"/>
+                <a:t>□□●  □□□  □□□  □□□  □●●</a:t>
+              </a:r>
+            </a:p>
+            <a:p>
+              <a:pPr algn="ctr"/>
+              <a:r>
+                <a:rPr lang="ja-JP" altLang="en-US" sz="1400" dirty="0"/>
+                <a:t>□□□  □●□  □□□  □□●  □□□</a:t>
+              </a:r>
+            </a:p>
+            <a:p>
+              <a:pPr algn="ctr"/>
+              <a:endParaRPr kumimoji="1" lang="ja-JP" altLang="en-US" sz="1400" dirty="0"/>
+            </a:p>
+          </p:txBody>
+        </p:sp>
+        <p:sp>
+          <p:nvSpPr>
+            <p:cNvPr id="15" name="テキスト ボックス 14">
+              <a:extLst>
+                <a:ext uri="{FF2B5EF4-FFF2-40B4-BE49-F238E27FC236}">
+                  <a16:creationId xmlns:a16="http://schemas.microsoft.com/office/drawing/2014/main" id="{8FDF15DD-202A-4E36-A5ED-0DE45D77EFE6}"/>
+                </a:ext>
+              </a:extLst>
+            </p:cNvPr>
+            <p:cNvSpPr txBox="1"/>
+            <p:nvPr/>
+          </p:nvSpPr>
+          <p:spPr>
+            <a:xfrm>
+              <a:off x="6383262" y="1776907"/>
+              <a:ext cx="1859648" cy="369332"/>
+            </a:xfrm>
+            <a:prstGeom prst="rect">
+              <a:avLst/>
+            </a:prstGeom>
+            <a:noFill/>
+          </p:spPr>
+          <p:txBody>
+            <a:bodyPr wrap="square" rtlCol="0" anchor="ctr">
+              <a:spAutoFit/>
+            </a:bodyPr>
+            <a:lstStyle/>
+            <a:p>
+              <a:pPr algn="ctr"/>
+              <a:r>
+                <a:rPr lang="ja-JP" altLang="en-US" dirty="0" smtClean="0">
+                  <a:solidFill>
+                    <a:schemeClr val="tx1">
+                      <a:lumMod val="75000"/>
+                      <a:lumOff val="25000"/>
+                    </a:schemeClr>
+                  </a:solidFill>
+                  <a:latin typeface="HGP創英角ﾎﾟｯﾌﾟ体" panose="040B0A00000000000000" pitchFamily="50" charset="-128"/>
+                  <a:ea typeface="HGP創英角ﾎﾟｯﾌﾟ体" panose="040B0A00000000000000" pitchFamily="50" charset="-128"/>
+                </a:rPr>
+                <a:t>↓敵の攻撃（■）</a:t>
+              </a:r>
+              <a:endParaRPr lang="ja-JP" altLang="en-US" dirty="0">
+                <a:solidFill>
+                  <a:schemeClr val="tx1">
+                    <a:lumMod val="75000"/>
+                    <a:lumOff val="25000"/>
+                  </a:schemeClr>
+                </a:solidFill>
+                <a:latin typeface="HGP創英角ﾎﾟｯﾌﾟ体" panose="040B0A00000000000000" pitchFamily="50" charset="-128"/>
+                <a:ea typeface="HGP創英角ﾎﾟｯﾌﾟ体" panose="040B0A00000000000000" pitchFamily="50" charset="-128"/>
+              </a:endParaRPr>
+            </a:p>
+          </p:txBody>
+        </p:sp>
+        <p:sp>
+          <p:nvSpPr>
+            <p:cNvPr id="16" name="テキスト ボックス 15">
+              <a:extLst>
+                <a:ext uri="{FF2B5EF4-FFF2-40B4-BE49-F238E27FC236}">
+                  <a16:creationId xmlns:a16="http://schemas.microsoft.com/office/drawing/2014/main" id="{8FDF15DD-202A-4E36-A5ED-0DE45D77EFE6}"/>
+                </a:ext>
+              </a:extLst>
+            </p:cNvPr>
+            <p:cNvSpPr txBox="1"/>
+            <p:nvPr/>
+          </p:nvSpPr>
+          <p:spPr>
+            <a:xfrm>
+              <a:off x="5782497" y="3558049"/>
+              <a:ext cx="3061178" cy="369332"/>
+            </a:xfrm>
+            <a:prstGeom prst="rect">
+              <a:avLst/>
+            </a:prstGeom>
+            <a:noFill/>
+          </p:spPr>
+          <p:txBody>
+            <a:bodyPr wrap="square" rtlCol="0" anchor="ctr">
+              <a:spAutoFit/>
+            </a:bodyPr>
+            <a:lstStyle/>
+            <a:p>
+              <a:pPr algn="ctr"/>
+              <a:r>
+                <a:rPr lang="ja-JP" altLang="en-US" dirty="0" smtClean="0">
+                  <a:solidFill>
+                    <a:schemeClr val="tx1">
+                      <a:lumMod val="75000"/>
+                      <a:lumOff val="25000"/>
+                    </a:schemeClr>
+                  </a:solidFill>
+                  <a:latin typeface="HGP創英角ﾎﾟｯﾌﾟ体" panose="040B0A00000000000000" pitchFamily="50" charset="-128"/>
+                  <a:ea typeface="HGP創英角ﾎﾟｯﾌﾟ体" panose="040B0A00000000000000" pitchFamily="50" charset="-128"/>
+                </a:rPr>
+                <a:t>↑プレイヤーの</a:t>
+              </a:r>
+              <a:r>
+                <a:rPr lang="ja-JP" altLang="en-US" dirty="0" smtClean="0">
+                  <a:solidFill>
+                    <a:schemeClr val="tx1">
+                      <a:lumMod val="75000"/>
+                      <a:lumOff val="25000"/>
+                    </a:schemeClr>
+                  </a:solidFill>
+                  <a:latin typeface="HGP創英角ﾎﾟｯﾌﾟ体" panose="040B0A00000000000000" pitchFamily="50" charset="-128"/>
+                  <a:ea typeface="HGP創英角ﾎﾟｯﾌﾟ体" panose="040B0A00000000000000" pitchFamily="50" charset="-128"/>
+                </a:rPr>
+                <a:t>足の位置（●）</a:t>
+              </a:r>
+              <a:endParaRPr lang="ja-JP" altLang="en-US" dirty="0">
+                <a:solidFill>
+                  <a:schemeClr val="tx1">
+                    <a:lumMod val="75000"/>
+                    <a:lumOff val="25000"/>
+                  </a:schemeClr>
+                </a:solidFill>
+                <a:latin typeface="HGP創英角ﾎﾟｯﾌﾟ体" panose="040B0A00000000000000" pitchFamily="50" charset="-128"/>
+                <a:ea typeface="HGP創英角ﾎﾟｯﾌﾟ体" panose="040B0A00000000000000" pitchFamily="50" charset="-128"/>
+              </a:endParaRPr>
+            </a:p>
+          </p:txBody>
+        </p:sp>
+      </p:grpSp>
+      <p:sp>
+        <p:nvSpPr>
+          <p:cNvPr id="19" name="四角形: 角を丸くする 4">
+            <a:extLst>
+              <a:ext uri="{FF2B5EF4-FFF2-40B4-BE49-F238E27FC236}">
+                <a16:creationId xmlns:a16="http://schemas.microsoft.com/office/drawing/2014/main" id="{3E3299D0-5526-46AB-A1D5-413E41A37F56}"/>
+              </a:ext>
+            </a:extLst>
+          </p:cNvPr>
+          <p:cNvSpPr/>
+          <p:nvPr/>
+        </p:nvSpPr>
+        <p:spPr>
+          <a:xfrm>
+            <a:off x="5014913" y="4583390"/>
+            <a:ext cx="4596348" cy="1993578"/>
+          </a:xfrm>
+          <a:prstGeom prst="roundRect">
+            <a:avLst/>
+          </a:prstGeom>
+          <a:solidFill>
+            <a:schemeClr val="accent1">
+              <a:lumMod val="20000"/>
+              <a:lumOff val="80000"/>
+            </a:schemeClr>
+          </a:solidFill>
+          <a:ln>
+            <a:noFill/>
+          </a:ln>
+        </p:spPr>
+        <p:style>
+          <a:lnRef idx="2">
+            <a:schemeClr val="accent3">
+              <a:shade val="50000"/>
+            </a:schemeClr>
+          </a:lnRef>
+          <a:fillRef idx="1">
+            <a:schemeClr val="accent3"/>
+          </a:fillRef>
+          <a:effectRef idx="0">
+            <a:schemeClr val="accent3"/>
+          </a:effectRef>
+          <a:fontRef idx="minor">
+            <a:schemeClr val="lt1"/>
+          </a:fontRef>
+        </p:style>
+        <p:txBody>
+          <a:bodyPr rtlCol="0" anchor="ctr"/>
+          <a:lstStyle/>
+          <a:p>
+            <a:pPr algn="ctr"/>
+            <a:endParaRPr kumimoji="1" lang="ja-JP" altLang="en-US"/>
+          </a:p>
+        </p:txBody>
+      </p:sp>
+      <p:sp>
+        <p:nvSpPr>
+          <p:cNvPr id="21" name="テキスト ボックス 20"/>
+          <p:cNvSpPr txBox="1"/>
+          <p:nvPr/>
+        </p:nvSpPr>
+        <p:spPr>
+          <a:xfrm>
+            <a:off x="5326732" y="4741702"/>
+            <a:ext cx="3972708" cy="738664"/>
+          </a:xfrm>
+          <a:prstGeom prst="rect">
+            <a:avLst/>
+          </a:prstGeom>
+          <a:noFill/>
+        </p:spPr>
+        <p:txBody>
+          <a:bodyPr wrap="square" rtlCol="0">
+            <a:spAutoFit/>
+          </a:bodyPr>
+          <a:lstStyle/>
+          <a:p>
+            <a:pPr algn="ctr"/>
+            <a:r>
+              <a:rPr lang="ja-JP" altLang="en-US" sz="1400" dirty="0"/>
+              <a:t>□□●  ●□●  ●□□  □□□  □□●  □□□</a:t>
+            </a:r>
+          </a:p>
+          <a:p>
+            <a:pPr algn="ctr"/>
+            <a:r>
+              <a:rPr lang="ja-JP" altLang="en-US" sz="1400" dirty="0"/>
+              <a:t>□□□  □□□  □□□  □□□  □□□  ●□●</a:t>
+            </a:r>
+          </a:p>
+          <a:p>
+            <a:pPr algn="ctr"/>
+            <a:r>
+              <a:rPr lang="ja-JP" altLang="en-US" sz="1400" dirty="0"/>
+              <a:t>●□□  □□□  ●□□  ●□●  □□●  □□</a:t>
+            </a:r>
+            <a:r>
+              <a:rPr lang="ja-JP" altLang="en-US" sz="1400" dirty="0" smtClean="0"/>
+              <a:t>□</a:t>
+            </a:r>
+            <a:endParaRPr lang="ja-JP" altLang="en-US" sz="1400" dirty="0"/>
+          </a:p>
+        </p:txBody>
+      </p:sp>
+      <p:sp>
+        <p:nvSpPr>
+          <p:cNvPr id="22" name="四角形: 角を丸くする 6">
+            <a:extLst>
+              <a:ext uri="{FF2B5EF4-FFF2-40B4-BE49-F238E27FC236}">
+                <a16:creationId xmlns:a16="http://schemas.microsoft.com/office/drawing/2014/main" id="{34268FBC-A5A0-4855-B4E1-0C7B2B70EDEF}"/>
+              </a:ext>
+            </a:extLst>
+          </p:cNvPr>
+          <p:cNvSpPr/>
+          <p:nvPr/>
+        </p:nvSpPr>
+        <p:spPr>
+          <a:xfrm>
+            <a:off x="5014913" y="1179619"/>
+            <a:ext cx="4596348" cy="484279"/>
+          </a:xfrm>
+          <a:prstGeom prst="roundRect">
+            <a:avLst/>
+          </a:prstGeom>
+          <a:solidFill>
+            <a:schemeClr val="tx2">
+              <a:lumMod val="60000"/>
+              <a:lumOff val="40000"/>
+            </a:schemeClr>
+          </a:solidFill>
+          <a:ln>
+            <a:noFill/>
+          </a:ln>
+        </p:spPr>
+        <p:style>
+          <a:lnRef idx="2">
+            <a:schemeClr val="accent3">
+              <a:shade val="50000"/>
+            </a:schemeClr>
+          </a:lnRef>
+          <a:fillRef idx="1">
+            <a:schemeClr val="accent3"/>
+          </a:fillRef>
+          <a:effectRef idx="0">
+            <a:schemeClr val="accent3"/>
+          </a:effectRef>
+          <a:fontRef idx="minor">
+            <a:schemeClr val="lt1"/>
+          </a:fontRef>
+        </p:style>
+        <p:txBody>
+          <a:bodyPr rtlCol="0" anchor="ctr"/>
+          <a:lstStyle/>
+          <a:p>
+            <a:pPr algn="ctr"/>
+            <a:endParaRPr kumimoji="1" lang="ja-JP" altLang="en-US" b="1" dirty="0"/>
+          </a:p>
+        </p:txBody>
+      </p:sp>
+      <p:sp>
+        <p:nvSpPr>
+          <p:cNvPr id="25" name="四角形: 角を丸くする 6">
+            <a:extLst>
+              <a:ext uri="{FF2B5EF4-FFF2-40B4-BE49-F238E27FC236}">
+                <a16:creationId xmlns:a16="http://schemas.microsoft.com/office/drawing/2014/main" id="{34268FBC-A5A0-4855-B4E1-0C7B2B70EDEF}"/>
+              </a:ext>
+            </a:extLst>
+          </p:cNvPr>
+          <p:cNvSpPr/>
+          <p:nvPr/>
+        </p:nvSpPr>
+        <p:spPr>
+          <a:xfrm>
+            <a:off x="5014913" y="4029396"/>
+            <a:ext cx="4596348" cy="499701"/>
+          </a:xfrm>
+          <a:prstGeom prst="roundRect">
+            <a:avLst/>
+          </a:prstGeom>
+          <a:solidFill>
+            <a:schemeClr val="tx2">
+              <a:lumMod val="60000"/>
+              <a:lumOff val="40000"/>
+            </a:schemeClr>
+          </a:solidFill>
+          <a:ln>
+            <a:noFill/>
+          </a:ln>
+        </p:spPr>
+        <p:style>
+          <a:lnRef idx="2">
+            <a:schemeClr val="accent3">
+              <a:shade val="50000"/>
+            </a:schemeClr>
+          </a:lnRef>
+          <a:fillRef idx="1">
+            <a:schemeClr val="accent3"/>
+          </a:fillRef>
+          <a:effectRef idx="0">
+            <a:schemeClr val="accent3"/>
+          </a:effectRef>
+          <a:fontRef idx="minor">
+            <a:schemeClr val="lt1"/>
+          </a:fontRef>
+        </p:style>
+        <p:txBody>
+          <a:bodyPr rtlCol="0" anchor="ctr"/>
+          <a:lstStyle/>
+          <a:p>
+            <a:pPr algn="ctr"/>
+            <a:endParaRPr kumimoji="1" lang="ja-JP" altLang="en-US"/>
+          </a:p>
+        </p:txBody>
+      </p:sp>
+      <p:sp>
+        <p:nvSpPr>
+          <p:cNvPr id="26" name="テキスト ボックス 25">
+            <a:extLst>
+              <a:ext uri="{FF2B5EF4-FFF2-40B4-BE49-F238E27FC236}">
+                <a16:creationId xmlns:a16="http://schemas.microsoft.com/office/drawing/2014/main" id="{AA4043A6-8052-4A02-B133-5C3A4F973875}"/>
+              </a:ext>
+            </a:extLst>
+          </p:cNvPr>
+          <p:cNvSpPr txBox="1"/>
+          <p:nvPr/>
+        </p:nvSpPr>
+        <p:spPr>
+          <a:xfrm>
+            <a:off x="5348485" y="5705501"/>
+            <a:ext cx="3929202" cy="646331"/>
+          </a:xfrm>
+          <a:prstGeom prst="rect">
+            <a:avLst/>
+          </a:prstGeom>
+          <a:noFill/>
+        </p:spPr>
+        <p:txBody>
+          <a:bodyPr wrap="square" rtlCol="0" anchor="ctr">
+            <a:spAutoFit/>
+          </a:bodyPr>
+          <a:lstStyle/>
+          <a:p>
+            <a:pPr algn="ctr"/>
+            <a:r>
+              <a:rPr lang="ja-JP" altLang="en-US" dirty="0" smtClean="0">
+                <a:solidFill>
+                  <a:schemeClr val="tx1">
+                    <a:lumMod val="75000"/>
+                    <a:lumOff val="25000"/>
+                  </a:schemeClr>
+                </a:solidFill>
+                <a:latin typeface="HGP創英角ﾎﾟｯﾌﾟ体" panose="040B0A00000000000000" pitchFamily="50" charset="-128"/>
+                <a:ea typeface="HGP創英角ﾎﾟｯﾌﾟ体" panose="040B0A00000000000000" pitchFamily="50" charset="-128"/>
+              </a:rPr>
+              <a:t>リスク（複雑ステップ）の</a:t>
+            </a:r>
+            <a:r>
+              <a:rPr lang="ja-JP" altLang="en-US" dirty="0">
+                <a:solidFill>
+                  <a:schemeClr val="tx1">
+                    <a:lumMod val="75000"/>
+                    <a:lumOff val="25000"/>
+                  </a:schemeClr>
+                </a:solidFill>
+                <a:latin typeface="HGP創英角ﾎﾟｯﾌﾟ体" panose="040B0A00000000000000" pitchFamily="50" charset="-128"/>
+                <a:ea typeface="HGP創英角ﾎﾟｯﾌﾟ体" panose="040B0A00000000000000" pitchFamily="50" charset="-128"/>
+              </a:rPr>
+              <a:t>分</a:t>
+            </a:r>
+            <a:r>
+              <a:rPr lang="ja-JP" altLang="en-US" dirty="0" smtClean="0">
+                <a:solidFill>
+                  <a:schemeClr val="tx1">
+                    <a:lumMod val="75000"/>
+                    <a:lumOff val="25000"/>
+                  </a:schemeClr>
+                </a:solidFill>
+                <a:latin typeface="HGP創英角ﾎﾟｯﾌﾟ体" panose="040B0A00000000000000" pitchFamily="50" charset="-128"/>
+                <a:ea typeface="HGP創英角ﾎﾟｯﾌﾟ体" panose="040B0A00000000000000" pitchFamily="50" charset="-128"/>
+              </a:rPr>
+              <a:t>だけ</a:t>
+            </a:r>
+            <a:endParaRPr lang="en-US" altLang="ja-JP" dirty="0" smtClean="0">
+              <a:solidFill>
+                <a:schemeClr val="tx1">
+                  <a:lumMod val="75000"/>
+                  <a:lumOff val="25000"/>
+                </a:schemeClr>
+              </a:solidFill>
+              <a:latin typeface="HGP創英角ﾎﾟｯﾌﾟ体" panose="040B0A00000000000000" pitchFamily="50" charset="-128"/>
+              <a:ea typeface="HGP創英角ﾎﾟｯﾌﾟ体" panose="040B0A00000000000000" pitchFamily="50" charset="-128"/>
+            </a:endParaRPr>
+          </a:p>
+          <a:p>
+            <a:pPr algn="ctr"/>
+            <a:r>
+              <a:rPr lang="ja-JP" altLang="en-US" dirty="0" smtClean="0">
+                <a:solidFill>
+                  <a:schemeClr val="tx1">
+                    <a:lumMod val="75000"/>
+                    <a:lumOff val="25000"/>
+                  </a:schemeClr>
+                </a:solidFill>
+                <a:latin typeface="HGP創英角ﾎﾟｯﾌﾟ体" panose="040B0A00000000000000" pitchFamily="50" charset="-128"/>
+                <a:ea typeface="HGP創英角ﾎﾟｯﾌﾟ体" panose="040B0A00000000000000" pitchFamily="50" charset="-128"/>
+              </a:rPr>
+              <a:t>強い</a:t>
+            </a:r>
+            <a:r>
+              <a:rPr lang="ja-JP" altLang="en-US" dirty="0">
+                <a:solidFill>
+                  <a:schemeClr val="tx1">
+                    <a:lumMod val="75000"/>
+                    <a:lumOff val="25000"/>
+                  </a:schemeClr>
+                </a:solidFill>
+                <a:latin typeface="HGP創英角ﾎﾟｯﾌﾟ体" panose="040B0A00000000000000" pitchFamily="50" charset="-128"/>
+                <a:ea typeface="HGP創英角ﾎﾟｯﾌﾟ体" panose="040B0A00000000000000" pitchFamily="50" charset="-128"/>
+              </a:rPr>
+              <a:t>技を決めることが</a:t>
+            </a:r>
+            <a:r>
+              <a:rPr lang="ja-JP" altLang="en-US" dirty="0" smtClean="0">
+                <a:solidFill>
+                  <a:schemeClr val="tx1">
+                    <a:lumMod val="75000"/>
+                    <a:lumOff val="25000"/>
+                  </a:schemeClr>
+                </a:solidFill>
+                <a:latin typeface="HGP創英角ﾎﾟｯﾌﾟ体" panose="040B0A00000000000000" pitchFamily="50" charset="-128"/>
+                <a:ea typeface="HGP創英角ﾎﾟｯﾌﾟ体" panose="040B0A00000000000000" pitchFamily="50" charset="-128"/>
+              </a:rPr>
+              <a:t>できるぞ</a:t>
+            </a:r>
+            <a:r>
+              <a:rPr lang="en-US" altLang="ja-JP" dirty="0" smtClean="0">
+                <a:solidFill>
+                  <a:schemeClr val="tx1">
+                    <a:lumMod val="75000"/>
+                    <a:lumOff val="25000"/>
+                  </a:schemeClr>
+                </a:solidFill>
+                <a:latin typeface="HGP創英角ﾎﾟｯﾌﾟ体" panose="040B0A00000000000000" pitchFamily="50" charset="-128"/>
+                <a:ea typeface="HGP創英角ﾎﾟｯﾌﾟ体" panose="040B0A00000000000000" pitchFamily="50" charset="-128"/>
+              </a:rPr>
+              <a:t>!</a:t>
+            </a:r>
+            <a:endParaRPr lang="en-US" altLang="ja-JP" dirty="0">
+              <a:solidFill>
+                <a:schemeClr val="tx1">
+                  <a:lumMod val="75000"/>
+                  <a:lumOff val="25000"/>
+                </a:schemeClr>
+              </a:solidFill>
+              <a:latin typeface="HGP創英角ﾎﾟｯﾌﾟ体" panose="040B0A00000000000000" pitchFamily="50" charset="-128"/>
+              <a:ea typeface="HGP創英角ﾎﾟｯﾌﾟ体" panose="040B0A00000000000000" pitchFamily="50" charset="-128"/>
+            </a:endParaRPr>
+          </a:p>
+        </p:txBody>
+      </p:sp>
+      <p:sp>
+        <p:nvSpPr>
+          <p:cNvPr id="27" name="テキスト ボックス 26">
+            <a:extLst>
+              <a:ext uri="{FF2B5EF4-FFF2-40B4-BE49-F238E27FC236}">
+                <a16:creationId xmlns:a16="http://schemas.microsoft.com/office/drawing/2014/main" id="{EA028689-38E5-42C2-AFD8-3E4F83844A79}"/>
+              </a:ext>
+            </a:extLst>
+          </p:cNvPr>
+          <p:cNvSpPr txBox="1"/>
+          <p:nvPr/>
+        </p:nvSpPr>
+        <p:spPr>
+          <a:xfrm>
+            <a:off x="5705129" y="1239543"/>
+            <a:ext cx="3215912" cy="369332"/>
+          </a:xfrm>
+          <a:prstGeom prst="rect">
+            <a:avLst/>
+          </a:prstGeom>
+          <a:noFill/>
+        </p:spPr>
+        <p:txBody>
+          <a:bodyPr wrap="square" rtlCol="0" anchor="ctr">
+            <a:spAutoFit/>
+          </a:bodyPr>
+          <a:lstStyle/>
+          <a:p>
+            <a:pPr algn="ctr"/>
+            <a:r>
+              <a:rPr lang="ja-JP" altLang="en-US" dirty="0">
+                <a:solidFill>
+                  <a:schemeClr val="bg1"/>
+                </a:solidFill>
+                <a:latin typeface="HGP創英角ﾎﾟｯﾌﾟ体" panose="040B0A00000000000000" pitchFamily="50" charset="-128"/>
+                <a:ea typeface="HGP創英角ﾎﾟｯﾌﾟ体" panose="040B0A00000000000000" pitchFamily="50" charset="-128"/>
+              </a:rPr>
+              <a:t>敵</a:t>
+            </a:r>
+            <a:r>
+              <a:rPr lang="ja-JP" altLang="en-US" dirty="0" smtClean="0">
+                <a:solidFill>
+                  <a:schemeClr val="bg1"/>
+                </a:solidFill>
+                <a:latin typeface="HGP創英角ﾎﾟｯﾌﾟ体" panose="040B0A00000000000000" pitchFamily="50" charset="-128"/>
+                <a:ea typeface="HGP創英角ﾎﾟｯﾌﾟ体" panose="040B0A00000000000000" pitchFamily="50" charset="-128"/>
+              </a:rPr>
+              <a:t>の攻撃の避け方</a:t>
+            </a:r>
+            <a:endParaRPr lang="ja-JP" altLang="en-US" dirty="0">
+              <a:solidFill>
+                <a:schemeClr val="bg1"/>
+              </a:solidFill>
+              <a:latin typeface="HGP創英角ﾎﾟｯﾌﾟ体" panose="040B0A00000000000000" pitchFamily="50" charset="-128"/>
+              <a:ea typeface="HGP創英角ﾎﾟｯﾌﾟ体" panose="040B0A00000000000000" pitchFamily="50" charset="-128"/>
+            </a:endParaRPr>
+          </a:p>
+        </p:txBody>
+      </p:sp>
+      <p:sp>
+        <p:nvSpPr>
+          <p:cNvPr id="28" name="テキスト ボックス 27">
+            <a:extLst>
+              <a:ext uri="{FF2B5EF4-FFF2-40B4-BE49-F238E27FC236}">
+                <a16:creationId xmlns:a16="http://schemas.microsoft.com/office/drawing/2014/main" id="{EA028689-38E5-42C2-AFD8-3E4F83844A79}"/>
+              </a:ext>
+            </a:extLst>
+          </p:cNvPr>
+          <p:cNvSpPr txBox="1"/>
+          <p:nvPr/>
+        </p:nvSpPr>
+        <p:spPr>
+          <a:xfrm>
+            <a:off x="5593880" y="4094580"/>
+            <a:ext cx="3438410" cy="369332"/>
+          </a:xfrm>
+          <a:prstGeom prst="rect">
+            <a:avLst/>
+          </a:prstGeom>
+          <a:noFill/>
+        </p:spPr>
+        <p:txBody>
+          <a:bodyPr wrap="square" rtlCol="0" anchor="ctr">
+            <a:spAutoFit/>
+          </a:bodyPr>
+          <a:lstStyle/>
+          <a:p>
+            <a:pPr algn="ctr"/>
+            <a:r>
+              <a:rPr lang="ja-JP" altLang="en-US" dirty="0" smtClean="0">
+                <a:solidFill>
+                  <a:schemeClr val="bg1"/>
+                </a:solidFill>
+                <a:latin typeface="HGP創英角ﾎﾟｯﾌﾟ体" panose="040B0A00000000000000" pitchFamily="50" charset="-128"/>
+                <a:ea typeface="HGP創英角ﾎﾟｯﾌﾟ体" panose="040B0A00000000000000" pitchFamily="50" charset="-128"/>
+              </a:rPr>
+              <a:t>ステップの例</a:t>
+            </a:r>
+            <a:endParaRPr lang="ja-JP" altLang="en-US" dirty="0">
+              <a:solidFill>
+                <a:schemeClr val="bg1"/>
+              </a:solidFill>
+              <a:latin typeface="HGP創英角ﾎﾟｯﾌﾟ体" panose="040B0A00000000000000" pitchFamily="50" charset="-128"/>
+              <a:ea typeface="HGP創英角ﾎﾟｯﾌﾟ体" panose="040B0A00000000000000" pitchFamily="50" charset="-128"/>
+            </a:endParaRPr>
+          </a:p>
+        </p:txBody>
+      </p:sp>
+    </p:spTree>
+    <p:extLst>
+      <p:ext uri="{BB962C8B-B14F-4D97-AF65-F5344CB8AC3E}">
+        <p14:creationId xmlns:p14="http://schemas.microsoft.com/office/powerpoint/2010/main" val="3972355258"/>
+      </p:ext>
+    </p:extLst>
+  </p:cSld>
+  <p:clrMapOvr>
+    <a:masterClrMapping/>
+  </p:clrMapOvr>
+</p:sld>
+</file>
+
+<file path=ppt/slides/slide5.xml><?xml version="1.0" encoding="utf-8"?>
+<p:sld xmlns:a="http://schemas.openxmlformats.org/drawingml/2006/main" xmlns:r="http://schemas.openxmlformats.org/officeDocument/2006/relationships" xmlns:p="http://schemas.openxmlformats.org/presentationml/2006/main">
+  <p:cSld>
+    <p:spTree>
+      <p:nvGrpSpPr>
+        <p:cNvPr id="1" name=""/>
+        <p:cNvGrpSpPr/>
+        <p:nvPr/>
+      </p:nvGrpSpPr>
+      <p:grpSpPr>
+        <a:xfrm>
+          <a:off x="0" y="0"/>
+          <a:ext cx="0" cy="0"/>
+          <a:chOff x="0" y="0"/>
+          <a:chExt cx="0" cy="0"/>
+        </a:xfrm>
+      </p:grpSpPr>
+      <p:sp>
+        <p:nvSpPr>
+          <p:cNvPr id="2" name="タイトル 1"/>
+          <p:cNvSpPr>
+            <a:spLocks noGrp="1"/>
+          </p:cNvSpPr>
+          <p:nvPr>
+            <p:ph type="title"/>
+          </p:nvPr>
+        </p:nvSpPr>
+        <p:spPr/>
+        <p:txBody>
+          <a:bodyPr/>
+          <a:lstStyle/>
+          <a:p>
+            <a:endParaRPr kumimoji="1" lang="ja-JP" altLang="en-US"/>
+          </a:p>
+        </p:txBody>
+      </p:sp>
+      <p:sp>
+        <p:nvSpPr>
+          <p:cNvPr id="3" name="コンテンツ プレースホルダー 2"/>
+          <p:cNvSpPr>
+            <a:spLocks noGrp="1"/>
+          </p:cNvSpPr>
+          <p:nvPr>
+            <p:ph sz="half" idx="1"/>
+          </p:nvPr>
+        </p:nvSpPr>
+        <p:spPr/>
+        <p:txBody>
+          <a:bodyPr/>
+          <a:lstStyle/>
+          <a:p>
+            <a:endParaRPr kumimoji="1" lang="ja-JP" altLang="en-US" dirty="0"/>
+          </a:p>
+        </p:txBody>
+      </p:sp>
+      <p:sp>
+        <p:nvSpPr>
+          <p:cNvPr id="4" name="コンテンツ プレースホルダー 3"/>
+          <p:cNvSpPr>
+            <a:spLocks noGrp="1"/>
+          </p:cNvSpPr>
+          <p:nvPr>
+            <p:ph sz="half" idx="2"/>
+          </p:nvPr>
+        </p:nvSpPr>
+        <p:spPr/>
+        <p:txBody>
+          <a:bodyPr/>
+          <a:lstStyle/>
+          <a:p>
+            <a:endParaRPr kumimoji="1" lang="ja-JP" altLang="en-US"/>
+          </a:p>
+        </p:txBody>
+      </p:sp>
+    </p:spTree>
+    <p:extLst>
+      <p:ext uri="{BB962C8B-B14F-4D97-AF65-F5344CB8AC3E}">
+        <p14:creationId xmlns:p14="http://schemas.microsoft.com/office/powerpoint/2010/main" val="4013999770"/>
       </p:ext>
     </p:extLst>
   </p:cSld>

--- a/企画書/マジックダンサー.pptx
+++ b/企画書/マジックダンサー.pptx
@@ -15,24 +15,24 @@
   <p:notesSz cx="6858000" cy="9144000"/>
   <p:embeddedFontLst>
     <p:embeddedFont>
-      <p:font typeface="AR DESTINE" panose="020B0600070205080204" charset="0"/>
+      <p:font typeface="Calibri Light" panose="020F0302020204030204" pitchFamily="34" charset="0"/>
       <p:regular r:id="rId7"/>
+      <p:italic r:id="rId8"/>
     </p:embeddedFont>
     <p:embeddedFont>
-      <p:font typeface="Calibri Light" panose="020F0302020204030204" pitchFamily="34" charset="0"/>
-      <p:regular r:id="rId8"/>
-      <p:italic r:id="rId9"/>
+      <p:font typeface="HGP創英角ﾎﾟｯﾌﾟ体" panose="040B0A00000000000000" pitchFamily="50" charset="-128"/>
+      <p:regular r:id="rId9"/>
+    </p:embeddedFont>
+    <p:embeddedFont>
+      <p:font typeface="AR DESTINE" panose="020B0600070205080204" charset="0"/>
+      <p:regular r:id="rId10"/>
     </p:embeddedFont>
     <p:embeddedFont>
       <p:font typeface="Calibri" panose="020F0502020204030204" pitchFamily="34" charset="0"/>
-      <p:regular r:id="rId10"/>
-      <p:bold r:id="rId11"/>
-      <p:italic r:id="rId12"/>
-      <p:boldItalic r:id="rId13"/>
-    </p:embeddedFont>
-    <p:embeddedFont>
-      <p:font typeface="HGP創英角ﾎﾟｯﾌﾟ体" panose="040B0A00000000000000" pitchFamily="50" charset="-128"/>
-      <p:regular r:id="rId14"/>
+      <p:regular r:id="rId11"/>
+      <p:bold r:id="rId12"/>
+      <p:italic r:id="rId13"/>
+      <p:boldItalic r:id="rId14"/>
     </p:embeddedFont>
   </p:embeddedFontLst>
   <p:defaultTextStyle>
@@ -6506,20 +6506,7 @@
                 <a:latin typeface="HGP創英角ﾎﾟｯﾌﾟ体" panose="040B0A00000000000000" pitchFamily="50" charset="-128"/>
                 <a:ea typeface="HGP創英角ﾎﾟｯﾌﾟ体" panose="040B0A00000000000000" pitchFamily="50" charset="-128"/>
               </a:rPr>
-              <a:t>ステップの</a:t>
-            </a:r>
-            <a:r>
-              <a:rPr lang="ja-JP" altLang="en-US" dirty="0" smtClean="0">
-                <a:solidFill>
-                  <a:schemeClr val="tx1">
-                    <a:lumMod val="75000"/>
-                    <a:lumOff val="25000"/>
-                  </a:schemeClr>
-                </a:solidFill>
-                <a:latin typeface="HGP創英角ﾎﾟｯﾌﾟ体" panose="040B0A00000000000000" pitchFamily="50" charset="-128"/>
-                <a:ea typeface="HGP創英角ﾎﾟｯﾌﾟ体" panose="040B0A00000000000000" pitchFamily="50" charset="-128"/>
-              </a:rPr>
-              <a:t>カウントがされるので</a:t>
+              <a:t>ステップのカウントがされるので</a:t>
             </a:r>
             <a:endParaRPr lang="en-US" altLang="ja-JP" dirty="0" smtClean="0">
               <a:solidFill>
@@ -6850,20 +6837,7 @@
                   <a:latin typeface="HGP創英角ﾎﾟｯﾌﾟ体" panose="040B0A00000000000000" pitchFamily="50" charset="-128"/>
                   <a:ea typeface="HGP創英角ﾎﾟｯﾌﾟ体" panose="040B0A00000000000000" pitchFamily="50" charset="-128"/>
                 </a:rPr>
-                <a:t>↑プレイヤーの</a:t>
-              </a:r>
-              <a:r>
-                <a:rPr lang="ja-JP" altLang="en-US" dirty="0" smtClean="0">
-                  <a:solidFill>
-                    <a:schemeClr val="tx1">
-                      <a:lumMod val="75000"/>
-                      <a:lumOff val="25000"/>
-                    </a:schemeClr>
-                  </a:solidFill>
-                  <a:latin typeface="HGP創英角ﾎﾟｯﾌﾟ体" panose="040B0A00000000000000" pitchFamily="50" charset="-128"/>
-                  <a:ea typeface="HGP創英角ﾎﾟｯﾌﾟ体" panose="040B0A00000000000000" pitchFamily="50" charset="-128"/>
-                </a:rPr>
-                <a:t>足の位置（●）</a:t>
+                <a:t>↑プレイヤーの足の位置（●）</a:t>
               </a:r>
               <a:endParaRPr lang="ja-JP" altLang="en-US" dirty="0">
                 <a:solidFill>
@@ -7398,31 +7372,12 @@
       </p:sp>
       <p:sp>
         <p:nvSpPr>
-          <p:cNvPr id="3" name="コンテンツ プレースホルダー 2"/>
+          <p:cNvPr id="8" name="コンテンツ プレースホルダー 7"/>
           <p:cNvSpPr>
             <a:spLocks noGrp="1"/>
           </p:cNvSpPr>
           <p:nvPr>
             <p:ph sz="half" idx="1"/>
-          </p:nvPr>
-        </p:nvSpPr>
-        <p:spPr/>
-        <p:txBody>
-          <a:bodyPr/>
-          <a:lstStyle/>
-          <a:p>
-            <a:endParaRPr kumimoji="1" lang="ja-JP" altLang="en-US" dirty="0"/>
-          </a:p>
-        </p:txBody>
-      </p:sp>
-      <p:sp>
-        <p:nvSpPr>
-          <p:cNvPr id="4" name="コンテンツ プレースホルダー 3"/>
-          <p:cNvSpPr>
-            <a:spLocks noGrp="1"/>
-          </p:cNvSpPr>
-          <p:nvPr>
-            <p:ph sz="half" idx="2"/>
           </p:nvPr>
         </p:nvSpPr>
         <p:spPr/>

--- a/企画書/マジックダンサー.pptx
+++ b/企画書/マジックダンサー.pptx
@@ -8,31 +8,29 @@
     <p:sldId id="256" r:id="rId2"/>
     <p:sldId id="257" r:id="rId3"/>
     <p:sldId id="258" r:id="rId4"/>
-    <p:sldId id="259" r:id="rId5"/>
-    <p:sldId id="260" r:id="rId6"/>
   </p:sldIdLst>
   <p:sldSz cx="9906000" cy="6858000" type="A4"/>
   <p:notesSz cx="6858000" cy="9144000"/>
   <p:embeddedFontLst>
     <p:embeddedFont>
       <p:font typeface="Calibri Light" panose="020F0302020204030204" pitchFamily="34" charset="0"/>
-      <p:regular r:id="rId7"/>
-      <p:italic r:id="rId8"/>
+      <p:regular r:id="rId5"/>
+      <p:italic r:id="rId6"/>
     </p:embeddedFont>
     <p:embeddedFont>
       <p:font typeface="HGP創英角ﾎﾟｯﾌﾟ体" panose="040B0A00000000000000" pitchFamily="50" charset="-128"/>
-      <p:regular r:id="rId9"/>
+      <p:regular r:id="rId7"/>
+    </p:embeddedFont>
+    <p:embeddedFont>
+      <p:font typeface="Calibri" panose="020F0502020204030204" pitchFamily="34" charset="0"/>
+      <p:regular r:id="rId8"/>
+      <p:bold r:id="rId9"/>
+      <p:italic r:id="rId10"/>
+      <p:boldItalic r:id="rId11"/>
     </p:embeddedFont>
     <p:embeddedFont>
       <p:font typeface="AR DESTINE" panose="020B0600070205080204" charset="0"/>
-      <p:regular r:id="rId10"/>
-    </p:embeddedFont>
-    <p:embeddedFont>
-      <p:font typeface="Calibri" panose="020F0502020204030204" pitchFamily="34" charset="0"/>
-      <p:regular r:id="rId11"/>
-      <p:bold r:id="rId12"/>
-      <p:italic r:id="rId13"/>
-      <p:boldItalic r:id="rId14"/>
+      <p:regular r:id="rId12"/>
     </p:embeddedFont>
   </p:embeddedFontLst>
   <p:defaultTextStyle>
@@ -5795,1613 +5793,6 @@
 </p:sld>
 </file>
 
-<file path=ppt/slides/slide4.xml><?xml version="1.0" encoding="utf-8"?>
-<p:sld xmlns:a="http://schemas.openxmlformats.org/drawingml/2006/main" xmlns:r="http://schemas.openxmlformats.org/officeDocument/2006/relationships" xmlns:p="http://schemas.openxmlformats.org/presentationml/2006/main">
-  <p:cSld>
-    <p:spTree>
-      <p:nvGrpSpPr>
-        <p:cNvPr id="1" name=""/>
-        <p:cNvGrpSpPr/>
-        <p:nvPr/>
-      </p:nvGrpSpPr>
-      <p:grpSpPr>
-        <a:xfrm>
-          <a:off x="0" y="0"/>
-          <a:ext cx="0" cy="0"/>
-          <a:chOff x="0" y="0"/>
-          <a:chExt cx="0" cy="0"/>
-        </a:xfrm>
-      </p:grpSpPr>
-      <p:sp>
-        <p:nvSpPr>
-          <p:cNvPr id="5" name="タイトル 3">
-            <a:extLst>
-              <a:ext uri="{FF2B5EF4-FFF2-40B4-BE49-F238E27FC236}">
-                <a16:creationId xmlns:a16="http://schemas.microsoft.com/office/drawing/2014/main" id="{7D9CCAC0-4A1D-4D06-83B3-B919D1D4CCDA}"/>
-              </a:ext>
-            </a:extLst>
-          </p:cNvPr>
-          <p:cNvSpPr txBox="1">
-            <a:spLocks/>
-          </p:cNvSpPr>
-          <p:nvPr/>
-        </p:nvSpPr>
-        <p:spPr>
-          <a:xfrm>
-            <a:off x="581871" y="225510"/>
-            <a:ext cx="3756739" cy="876302"/>
-          </a:xfrm>
-          <a:prstGeom prst="rect">
-            <a:avLst/>
-          </a:prstGeom>
-        </p:spPr>
-        <p:txBody>
-          <a:bodyPr vert="horz" lIns="91440" tIns="45720" rIns="91440" bIns="45720" rtlCol="0" anchor="ctr">
-            <a:normAutofit fontScale="85000" lnSpcReduction="10000"/>
-          </a:bodyPr>
-          <a:lstStyle>
-            <a:lvl1pPr algn="l" defTabSz="914400" rtl="0" eaLnBrk="1" latinLnBrk="0" hangingPunct="1">
-              <a:lnSpc>
-                <a:spcPct val="90000"/>
-              </a:lnSpc>
-              <a:spcBef>
-                <a:spcPct val="0"/>
-              </a:spcBef>
-              <a:buNone/>
-              <a:defRPr kumimoji="1" sz="4400" kern="1200">
-                <a:solidFill>
-                  <a:schemeClr val="tx1"/>
-                </a:solidFill>
-                <a:latin typeface="+mj-lt"/>
-                <a:ea typeface="+mj-ea"/>
-                <a:cs typeface="+mj-cs"/>
-              </a:defRPr>
-            </a:lvl1pPr>
-          </a:lstStyle>
-          <a:p>
-            <a:r>
-              <a:rPr lang="en-US" altLang="ja-JP" dirty="0" err="1" smtClean="0">
-                <a:latin typeface="AR DESTINE" panose="02000000000000000000" pitchFamily="2" charset="0"/>
-                <a:ea typeface="HGP創英角ﾎﾟｯﾌﾟ体" panose="040B0A00000000000000" pitchFamily="50" charset="-128"/>
-              </a:rPr>
-              <a:t>VR:Magic</a:t>
-            </a:r>
-            <a:r>
-              <a:rPr lang="en-US" altLang="ja-JP" sz="5400" dirty="0" err="1" smtClean="0">
-                <a:latin typeface="AR DESTINE" panose="02000000000000000000" pitchFamily="2" charset="0"/>
-                <a:ea typeface="HGP創英角ﾎﾟｯﾌﾟ体" panose="040B0A00000000000000" pitchFamily="50" charset="-128"/>
-              </a:rPr>
-              <a:t>D</a:t>
-            </a:r>
-            <a:r>
-              <a:rPr lang="en-US" altLang="ja-JP" dirty="0" err="1" smtClean="0">
-                <a:latin typeface="AR DESTINE" panose="02000000000000000000" pitchFamily="2" charset="0"/>
-                <a:ea typeface="HGP創英角ﾎﾟｯﾌﾟ体" panose="040B0A00000000000000" pitchFamily="50" charset="-128"/>
-              </a:rPr>
-              <a:t>ancer</a:t>
-            </a:r>
-            <a:endParaRPr lang="ja-JP" altLang="en-US" dirty="0">
-              <a:latin typeface="AR DESTINE" panose="02000000000000000000" pitchFamily="2" charset="0"/>
-              <a:ea typeface="HGP創英角ﾎﾟｯﾌﾟ体" panose="040B0A00000000000000" pitchFamily="50" charset="-128"/>
-            </a:endParaRPr>
-          </a:p>
-        </p:txBody>
-      </p:sp>
-      <p:sp>
-        <p:nvSpPr>
-          <p:cNvPr id="6" name="テキスト ボックス 5">
-            <a:extLst>
-              <a:ext uri="{FF2B5EF4-FFF2-40B4-BE49-F238E27FC236}">
-                <a16:creationId xmlns:a16="http://schemas.microsoft.com/office/drawing/2014/main" id="{9C73E4A1-37DB-4FA1-94A4-8311647FFC0F}"/>
-              </a:ext>
-            </a:extLst>
-          </p:cNvPr>
-          <p:cNvSpPr txBox="1"/>
-          <p:nvPr/>
-        </p:nvSpPr>
-        <p:spPr>
-          <a:xfrm>
-            <a:off x="5257656" y="201996"/>
-            <a:ext cx="4020031" cy="923330"/>
-          </a:xfrm>
-          <a:prstGeom prst="rect">
-            <a:avLst/>
-          </a:prstGeom>
-          <a:noFill/>
-        </p:spPr>
-        <p:txBody>
-          <a:bodyPr wrap="square" rtlCol="0">
-            <a:spAutoFit/>
-          </a:bodyPr>
-          <a:lstStyle/>
-          <a:p>
-            <a:r>
-              <a:rPr lang="ja-JP" altLang="en-US" dirty="0" smtClean="0">
-                <a:solidFill>
-                  <a:schemeClr val="tx1">
-                    <a:lumMod val="75000"/>
-                    <a:lumOff val="25000"/>
-                  </a:schemeClr>
-                </a:solidFill>
-                <a:latin typeface="HGP創英角ﾎﾟｯﾌﾟ体" panose="040B0A00000000000000" pitchFamily="50" charset="-128"/>
-                <a:ea typeface="HGP創英角ﾎﾟｯﾌﾟ体" panose="040B0A00000000000000" pitchFamily="50" charset="-128"/>
-              </a:rPr>
-              <a:t>ステップを組み合わせて</a:t>
-            </a:r>
-            <a:r>
-              <a:rPr lang="ja-JP" altLang="en-US" dirty="0">
-                <a:solidFill>
-                  <a:schemeClr val="tx1">
-                    <a:lumMod val="75000"/>
-                    <a:lumOff val="25000"/>
-                  </a:schemeClr>
-                </a:solidFill>
-                <a:latin typeface="HGP創英角ﾎﾟｯﾌﾟ体" panose="040B0A00000000000000" pitchFamily="50" charset="-128"/>
-                <a:ea typeface="HGP創英角ﾎﾟｯﾌﾟ体" panose="040B0A00000000000000" pitchFamily="50" charset="-128"/>
-              </a:rPr>
-              <a:t>敵を倒せ</a:t>
-            </a:r>
-            <a:r>
-              <a:rPr lang="ja-JP" altLang="en-US" dirty="0" smtClean="0">
-                <a:solidFill>
-                  <a:schemeClr val="tx1">
-                    <a:lumMod val="75000"/>
-                    <a:lumOff val="25000"/>
-                  </a:schemeClr>
-                </a:solidFill>
-                <a:latin typeface="HGP創英角ﾎﾟｯﾌﾟ体" panose="040B0A00000000000000" pitchFamily="50" charset="-128"/>
-                <a:ea typeface="HGP創英角ﾎﾟｯﾌﾟ体" panose="040B0A00000000000000" pitchFamily="50" charset="-128"/>
-              </a:rPr>
-              <a:t>！</a:t>
-            </a:r>
-            <a:endParaRPr lang="en-US" altLang="ja-JP" dirty="0" smtClean="0">
-              <a:solidFill>
-                <a:schemeClr val="tx1">
-                  <a:lumMod val="75000"/>
-                  <a:lumOff val="25000"/>
-                </a:schemeClr>
-              </a:solidFill>
-              <a:latin typeface="HGP創英角ﾎﾟｯﾌﾟ体" panose="040B0A00000000000000" pitchFamily="50" charset="-128"/>
-              <a:ea typeface="HGP創英角ﾎﾟｯﾌﾟ体" panose="040B0A00000000000000" pitchFamily="50" charset="-128"/>
-            </a:endParaRPr>
-          </a:p>
-          <a:p>
-            <a:r>
-              <a:rPr kumimoji="1" lang="ja-JP" altLang="en-US" dirty="0" smtClean="0">
-                <a:solidFill>
-                  <a:schemeClr val="tx1">
-                    <a:lumMod val="75000"/>
-                    <a:lumOff val="25000"/>
-                  </a:schemeClr>
-                </a:solidFill>
-                <a:latin typeface="HGP創英角ﾎﾟｯﾌﾟ体" panose="040B0A00000000000000" pitchFamily="50" charset="-128"/>
-                <a:ea typeface="HGP創英角ﾎﾟｯﾌﾟ体" panose="040B0A00000000000000" pitchFamily="50" charset="-128"/>
-              </a:rPr>
-              <a:t>しかし、敵も攻撃を仕掛けてくるので</a:t>
-            </a:r>
-            <a:endParaRPr kumimoji="1" lang="en-US" altLang="ja-JP" dirty="0" smtClean="0">
-              <a:solidFill>
-                <a:schemeClr val="tx1">
-                  <a:lumMod val="75000"/>
-                  <a:lumOff val="25000"/>
-                </a:schemeClr>
-              </a:solidFill>
-              <a:latin typeface="HGP創英角ﾎﾟｯﾌﾟ体" panose="040B0A00000000000000" pitchFamily="50" charset="-128"/>
-              <a:ea typeface="HGP創英角ﾎﾟｯﾌﾟ体" panose="040B0A00000000000000" pitchFamily="50" charset="-128"/>
-            </a:endParaRPr>
-          </a:p>
-          <a:p>
-            <a:r>
-              <a:rPr kumimoji="1" lang="ja-JP" altLang="en-US" dirty="0" smtClean="0">
-                <a:solidFill>
-                  <a:schemeClr val="tx1">
-                    <a:lumMod val="75000"/>
-                    <a:lumOff val="25000"/>
-                  </a:schemeClr>
-                </a:solidFill>
-                <a:latin typeface="HGP創英角ﾎﾟｯﾌﾟ体" panose="040B0A00000000000000" pitchFamily="50" charset="-128"/>
-                <a:ea typeface="HGP創英角ﾎﾟｯﾌﾟ体" panose="040B0A00000000000000" pitchFamily="50" charset="-128"/>
-              </a:rPr>
-              <a:t>注意が必要だ！</a:t>
-            </a:r>
-            <a:endParaRPr kumimoji="1" lang="en-US" altLang="ja-JP" dirty="0" smtClean="0">
-              <a:solidFill>
-                <a:schemeClr val="tx1">
-                  <a:lumMod val="75000"/>
-                  <a:lumOff val="25000"/>
-                </a:schemeClr>
-              </a:solidFill>
-              <a:latin typeface="HGP創英角ﾎﾟｯﾌﾟ体" panose="040B0A00000000000000" pitchFamily="50" charset="-128"/>
-              <a:ea typeface="HGP創英角ﾎﾟｯﾌﾟ体" panose="040B0A00000000000000" pitchFamily="50" charset="-128"/>
-            </a:endParaRPr>
-          </a:p>
-        </p:txBody>
-      </p:sp>
-      <p:sp>
-        <p:nvSpPr>
-          <p:cNvPr id="7" name="四角形: 角を丸くする 6">
-            <a:extLst>
-              <a:ext uri="{FF2B5EF4-FFF2-40B4-BE49-F238E27FC236}">
-                <a16:creationId xmlns:a16="http://schemas.microsoft.com/office/drawing/2014/main" id="{34268FBC-A5A0-4855-B4E1-0C7B2B70EDEF}"/>
-              </a:ext>
-            </a:extLst>
-          </p:cNvPr>
-          <p:cNvSpPr/>
-          <p:nvPr/>
-        </p:nvSpPr>
-        <p:spPr>
-          <a:xfrm>
-            <a:off x="268447" y="1179619"/>
-            <a:ext cx="4596348" cy="1341810"/>
-          </a:xfrm>
-          <a:prstGeom prst="roundRect">
-            <a:avLst/>
-          </a:prstGeom>
-          <a:solidFill>
-            <a:schemeClr val="tx2">
-              <a:lumMod val="60000"/>
-              <a:lumOff val="40000"/>
-            </a:schemeClr>
-          </a:solidFill>
-          <a:ln>
-            <a:noFill/>
-          </a:ln>
-        </p:spPr>
-        <p:style>
-          <a:lnRef idx="2">
-            <a:schemeClr val="accent3">
-              <a:shade val="50000"/>
-            </a:schemeClr>
-          </a:lnRef>
-          <a:fillRef idx="1">
-            <a:schemeClr val="accent3"/>
-          </a:fillRef>
-          <a:effectRef idx="0">
-            <a:schemeClr val="accent3"/>
-          </a:effectRef>
-          <a:fontRef idx="minor">
-            <a:schemeClr val="lt1"/>
-          </a:fontRef>
-        </p:style>
-        <p:txBody>
-          <a:bodyPr rtlCol="0" anchor="ctr"/>
-          <a:lstStyle/>
-          <a:p>
-            <a:pPr algn="ctr"/>
-            <a:endParaRPr kumimoji="1" lang="ja-JP" altLang="en-US"/>
-          </a:p>
-        </p:txBody>
-      </p:sp>
-      <p:sp>
-        <p:nvSpPr>
-          <p:cNvPr id="8" name="テキスト ボックス 7">
-            <a:extLst>
-              <a:ext uri="{FF2B5EF4-FFF2-40B4-BE49-F238E27FC236}">
-                <a16:creationId xmlns:a16="http://schemas.microsoft.com/office/drawing/2014/main" id="{F4C783BF-E8E1-4B17-8EEE-A3719890F53A}"/>
-              </a:ext>
-            </a:extLst>
-          </p:cNvPr>
-          <p:cNvSpPr txBox="1"/>
-          <p:nvPr/>
-        </p:nvSpPr>
-        <p:spPr>
-          <a:xfrm>
-            <a:off x="581870" y="1385605"/>
-            <a:ext cx="4085227" cy="923330"/>
-          </a:xfrm>
-          <a:prstGeom prst="rect">
-            <a:avLst/>
-          </a:prstGeom>
-          <a:noFill/>
-        </p:spPr>
-        <p:txBody>
-          <a:bodyPr wrap="square" rtlCol="0" anchor="ctr">
-            <a:spAutoFit/>
-          </a:bodyPr>
-          <a:lstStyle/>
-          <a:p>
-            <a:r>
-              <a:rPr lang="ja-JP" altLang="en-US" dirty="0">
-                <a:solidFill>
-                  <a:schemeClr val="bg1"/>
-                </a:solidFill>
-                <a:latin typeface="HGP創英角ﾎﾟｯﾌﾟ体" panose="040B0A00000000000000" pitchFamily="50" charset="-128"/>
-                <a:ea typeface="HGP創英角ﾎﾟｯﾌﾟ体" panose="040B0A00000000000000" pitchFamily="50" charset="-128"/>
-              </a:rPr>
-              <a:t>プレイ人数</a:t>
-            </a:r>
-            <a:r>
-              <a:rPr lang="en-US" altLang="ja-JP" dirty="0">
-                <a:solidFill>
-                  <a:schemeClr val="bg1"/>
-                </a:solidFill>
-                <a:latin typeface="HGP創英角ﾎﾟｯﾌﾟ体" panose="040B0A00000000000000" pitchFamily="50" charset="-128"/>
-                <a:ea typeface="HGP創英角ﾎﾟｯﾌﾟ体" panose="040B0A00000000000000" pitchFamily="50" charset="-128"/>
-              </a:rPr>
-              <a:t>	</a:t>
-            </a:r>
-            <a:r>
-              <a:rPr lang="ja-JP" altLang="en-US" dirty="0">
-                <a:solidFill>
-                  <a:schemeClr val="bg1"/>
-                </a:solidFill>
-                <a:latin typeface="HGP創英角ﾎﾟｯﾌﾟ体" panose="040B0A00000000000000" pitchFamily="50" charset="-128"/>
-                <a:ea typeface="HGP創英角ﾎﾟｯﾌﾟ体" panose="040B0A00000000000000" pitchFamily="50" charset="-128"/>
-              </a:rPr>
-              <a:t>：</a:t>
-            </a:r>
-            <a:r>
-              <a:rPr lang="en-US" altLang="ja-JP" dirty="0">
-                <a:solidFill>
-                  <a:schemeClr val="bg1"/>
-                </a:solidFill>
-                <a:latin typeface="HGP創英角ﾎﾟｯﾌﾟ体" panose="040B0A00000000000000" pitchFamily="50" charset="-128"/>
-                <a:ea typeface="HGP創英角ﾎﾟｯﾌﾟ体" panose="040B0A00000000000000" pitchFamily="50" charset="-128"/>
-              </a:rPr>
-              <a:t>1</a:t>
-            </a:r>
-            <a:r>
-              <a:rPr lang="ja-JP" altLang="en-US" dirty="0">
-                <a:solidFill>
-                  <a:schemeClr val="bg1"/>
-                </a:solidFill>
-                <a:latin typeface="HGP創英角ﾎﾟｯﾌﾟ体" panose="040B0A00000000000000" pitchFamily="50" charset="-128"/>
-                <a:ea typeface="HGP創英角ﾎﾟｯﾌﾟ体" panose="040B0A00000000000000" pitchFamily="50" charset="-128"/>
-              </a:rPr>
-              <a:t>人</a:t>
-            </a:r>
-            <a:endParaRPr lang="en-US" altLang="ja-JP" dirty="0">
-              <a:solidFill>
-                <a:schemeClr val="bg1"/>
-              </a:solidFill>
-              <a:latin typeface="HGP創英角ﾎﾟｯﾌﾟ体" panose="040B0A00000000000000" pitchFamily="50" charset="-128"/>
-              <a:ea typeface="HGP創英角ﾎﾟｯﾌﾟ体" panose="040B0A00000000000000" pitchFamily="50" charset="-128"/>
-            </a:endParaRPr>
-          </a:p>
-          <a:p>
-            <a:r>
-              <a:rPr lang="ja-JP" altLang="en-US" dirty="0">
-                <a:solidFill>
-                  <a:schemeClr val="bg1"/>
-                </a:solidFill>
-                <a:latin typeface="HGP創英角ﾎﾟｯﾌﾟ体" panose="040B0A00000000000000" pitchFamily="50" charset="-128"/>
-                <a:ea typeface="HGP創英角ﾎﾟｯﾌﾟ体" panose="040B0A00000000000000" pitchFamily="50" charset="-128"/>
-              </a:rPr>
-              <a:t>ジャンル</a:t>
-            </a:r>
-            <a:r>
-              <a:rPr lang="en-US" altLang="ja-JP" dirty="0">
-                <a:solidFill>
-                  <a:schemeClr val="bg1"/>
-                </a:solidFill>
-                <a:latin typeface="HGP創英角ﾎﾟｯﾌﾟ体" panose="040B0A00000000000000" pitchFamily="50" charset="-128"/>
-                <a:ea typeface="HGP創英角ﾎﾟｯﾌﾟ体" panose="040B0A00000000000000" pitchFamily="50" charset="-128"/>
-              </a:rPr>
-              <a:t>	</a:t>
-            </a:r>
-            <a:r>
-              <a:rPr lang="en-US" altLang="ja-JP" dirty="0" smtClean="0">
-                <a:solidFill>
-                  <a:schemeClr val="bg1"/>
-                </a:solidFill>
-                <a:latin typeface="HGP創英角ﾎﾟｯﾌﾟ体" panose="040B0A00000000000000" pitchFamily="50" charset="-128"/>
-                <a:ea typeface="HGP創英角ﾎﾟｯﾌﾟ体" panose="040B0A00000000000000" pitchFamily="50" charset="-128"/>
-              </a:rPr>
-              <a:t>	</a:t>
-            </a:r>
-            <a:r>
-              <a:rPr lang="ja-JP" altLang="en-US" dirty="0" smtClean="0">
-                <a:solidFill>
-                  <a:schemeClr val="bg1"/>
-                </a:solidFill>
-                <a:latin typeface="HGP創英角ﾎﾟｯﾌﾟ体" panose="040B0A00000000000000" pitchFamily="50" charset="-128"/>
-                <a:ea typeface="HGP創英角ﾎﾟｯﾌﾟ体" panose="040B0A00000000000000" pitchFamily="50" charset="-128"/>
-              </a:rPr>
-              <a:t>：</a:t>
-            </a:r>
-            <a:r>
-              <a:rPr lang="en-US" altLang="ja-JP" dirty="0" smtClean="0">
-                <a:solidFill>
-                  <a:schemeClr val="bg1"/>
-                </a:solidFill>
-                <a:latin typeface="HGP創英角ﾎﾟｯﾌﾟ体" panose="040B0A00000000000000" pitchFamily="50" charset="-128"/>
-                <a:ea typeface="HGP創英角ﾎﾟｯﾌﾟ体" panose="040B0A00000000000000" pitchFamily="50" charset="-128"/>
-              </a:rPr>
-              <a:t>VR</a:t>
-            </a:r>
-            <a:r>
-              <a:rPr lang="ja-JP" altLang="en-US" dirty="0" smtClean="0">
-                <a:solidFill>
-                  <a:schemeClr val="bg1"/>
-                </a:solidFill>
-                <a:latin typeface="HGP創英角ﾎﾟｯﾌﾟ体" panose="040B0A00000000000000" pitchFamily="50" charset="-128"/>
-                <a:ea typeface="HGP創英角ﾎﾟｯﾌﾟ体" panose="040B0A00000000000000" pitchFamily="50" charset="-128"/>
-              </a:rPr>
-              <a:t>・リズムアクション</a:t>
-            </a:r>
-            <a:endParaRPr lang="en-US" altLang="ja-JP" dirty="0" smtClean="0">
-              <a:solidFill>
-                <a:schemeClr val="bg1"/>
-              </a:solidFill>
-              <a:latin typeface="HGP創英角ﾎﾟｯﾌﾟ体" panose="040B0A00000000000000" pitchFamily="50" charset="-128"/>
-              <a:ea typeface="HGP創英角ﾎﾟｯﾌﾟ体" panose="040B0A00000000000000" pitchFamily="50" charset="-128"/>
-            </a:endParaRPr>
-          </a:p>
-          <a:p>
-            <a:r>
-              <a:rPr lang="ja-JP" altLang="en-US" dirty="0" smtClean="0">
-                <a:solidFill>
-                  <a:schemeClr val="bg1"/>
-                </a:solidFill>
-                <a:latin typeface="HGP創英角ﾎﾟｯﾌﾟ体" panose="040B0A00000000000000" pitchFamily="50" charset="-128"/>
-                <a:ea typeface="HGP創英角ﾎﾟｯﾌﾟ体" panose="040B0A00000000000000" pitchFamily="50" charset="-128"/>
-              </a:rPr>
-              <a:t>使う部位</a:t>
-            </a:r>
-            <a:r>
-              <a:rPr lang="en-US" altLang="ja-JP" dirty="0" smtClean="0">
-                <a:solidFill>
-                  <a:schemeClr val="bg1"/>
-                </a:solidFill>
-                <a:latin typeface="HGP創英角ﾎﾟｯﾌﾟ体" panose="040B0A00000000000000" pitchFamily="50" charset="-128"/>
-                <a:ea typeface="HGP創英角ﾎﾟｯﾌﾟ体" panose="040B0A00000000000000" pitchFamily="50" charset="-128"/>
-              </a:rPr>
-              <a:t>		</a:t>
-            </a:r>
-            <a:r>
-              <a:rPr lang="ja-JP" altLang="en-US" dirty="0" smtClean="0">
-                <a:solidFill>
-                  <a:schemeClr val="bg1"/>
-                </a:solidFill>
-                <a:latin typeface="HGP創英角ﾎﾟｯﾌﾟ体" panose="040B0A00000000000000" pitchFamily="50" charset="-128"/>
-                <a:ea typeface="HGP創英角ﾎﾟｯﾌﾟ体" panose="040B0A00000000000000" pitchFamily="50" charset="-128"/>
-              </a:rPr>
-              <a:t>：足</a:t>
-            </a:r>
-            <a:endParaRPr lang="en-US" altLang="ja-JP" dirty="0">
-              <a:solidFill>
-                <a:schemeClr val="bg1"/>
-              </a:solidFill>
-              <a:latin typeface="HGP創英角ﾎﾟｯﾌﾟ体" panose="040B0A00000000000000" pitchFamily="50" charset="-128"/>
-              <a:ea typeface="HGP創英角ﾎﾟｯﾌﾟ体" panose="040B0A00000000000000" pitchFamily="50" charset="-128"/>
-            </a:endParaRPr>
-          </a:p>
-        </p:txBody>
-      </p:sp>
-      <p:sp>
-        <p:nvSpPr>
-          <p:cNvPr id="9" name="四角形: 角を丸くする 4">
-            <a:extLst>
-              <a:ext uri="{FF2B5EF4-FFF2-40B4-BE49-F238E27FC236}">
-                <a16:creationId xmlns:a16="http://schemas.microsoft.com/office/drawing/2014/main" id="{3E3299D0-5526-46AB-A1D5-413E41A37F56}"/>
-              </a:ext>
-            </a:extLst>
-          </p:cNvPr>
-          <p:cNvSpPr/>
-          <p:nvPr/>
-        </p:nvSpPr>
-        <p:spPr>
-          <a:xfrm>
-            <a:off x="268447" y="2599236"/>
-            <a:ext cx="4596348" cy="3977733"/>
-          </a:xfrm>
-          <a:prstGeom prst="roundRect">
-            <a:avLst/>
-          </a:prstGeom>
-          <a:solidFill>
-            <a:schemeClr val="accent1">
-              <a:lumMod val="20000"/>
-              <a:lumOff val="80000"/>
-            </a:schemeClr>
-          </a:solidFill>
-          <a:ln>
-            <a:noFill/>
-          </a:ln>
-        </p:spPr>
-        <p:style>
-          <a:lnRef idx="2">
-            <a:schemeClr val="accent3">
-              <a:shade val="50000"/>
-            </a:schemeClr>
-          </a:lnRef>
-          <a:fillRef idx="1">
-            <a:schemeClr val="accent3"/>
-          </a:fillRef>
-          <a:effectRef idx="0">
-            <a:schemeClr val="accent3"/>
-          </a:effectRef>
-          <a:fontRef idx="minor">
-            <a:schemeClr val="lt1"/>
-          </a:fontRef>
-        </p:style>
-        <p:txBody>
-          <a:bodyPr rtlCol="0" anchor="ctr"/>
-          <a:lstStyle/>
-          <a:p>
-            <a:pPr algn="ctr"/>
-            <a:endParaRPr kumimoji="1" lang="ja-JP" altLang="en-US"/>
-          </a:p>
-        </p:txBody>
-      </p:sp>
-      <p:sp>
-        <p:nvSpPr>
-          <p:cNvPr id="10" name="テキスト ボックス 9">
-            <a:extLst>
-              <a:ext uri="{FF2B5EF4-FFF2-40B4-BE49-F238E27FC236}">
-                <a16:creationId xmlns:a16="http://schemas.microsoft.com/office/drawing/2014/main" id="{36AFEA53-C1D9-4E1D-9000-E7113C14DCF2}"/>
-              </a:ext>
-            </a:extLst>
-          </p:cNvPr>
-          <p:cNvSpPr txBox="1"/>
-          <p:nvPr/>
-        </p:nvSpPr>
-        <p:spPr>
-          <a:xfrm>
-            <a:off x="343352" y="3013729"/>
-            <a:ext cx="4446535" cy="3139321"/>
-          </a:xfrm>
-          <a:prstGeom prst="rect">
-            <a:avLst/>
-          </a:prstGeom>
-          <a:noFill/>
-        </p:spPr>
-        <p:txBody>
-          <a:bodyPr wrap="square" rtlCol="0" anchor="ctr">
-            <a:spAutoFit/>
-          </a:bodyPr>
-          <a:lstStyle/>
-          <a:p>
-            <a:pPr algn="ctr"/>
-            <a:r>
-              <a:rPr lang="ja-JP" altLang="en-US" dirty="0" smtClean="0">
-                <a:solidFill>
-                  <a:schemeClr val="tx1">
-                    <a:lumMod val="75000"/>
-                    <a:lumOff val="25000"/>
-                  </a:schemeClr>
-                </a:solidFill>
-                <a:latin typeface="HGP創英角ﾎﾟｯﾌﾟ体" panose="040B0A00000000000000" pitchFamily="50" charset="-128"/>
-                <a:ea typeface="HGP創英角ﾎﾟｯﾌﾟ体" panose="040B0A00000000000000" pitchFamily="50" charset="-128"/>
-              </a:rPr>
-              <a:t>求められる動きは、</a:t>
-            </a:r>
-            <a:endParaRPr lang="en-US" altLang="ja-JP" dirty="0" smtClean="0">
-              <a:solidFill>
-                <a:schemeClr val="tx1">
-                  <a:lumMod val="75000"/>
-                  <a:lumOff val="25000"/>
-                </a:schemeClr>
-              </a:solidFill>
-              <a:latin typeface="HGP創英角ﾎﾟｯﾌﾟ体" panose="040B0A00000000000000" pitchFamily="50" charset="-128"/>
-              <a:ea typeface="HGP創英角ﾎﾟｯﾌﾟ体" panose="040B0A00000000000000" pitchFamily="50" charset="-128"/>
-            </a:endParaRPr>
-          </a:p>
-          <a:p>
-            <a:pPr algn="ctr"/>
-            <a:r>
-              <a:rPr lang="ja-JP" altLang="en-US" dirty="0" smtClean="0">
-                <a:solidFill>
-                  <a:schemeClr val="tx1">
-                    <a:lumMod val="75000"/>
-                    <a:lumOff val="25000"/>
-                  </a:schemeClr>
-                </a:solidFill>
-                <a:latin typeface="HGP創英角ﾎﾟｯﾌﾟ体" panose="040B0A00000000000000" pitchFamily="50" charset="-128"/>
-                <a:ea typeface="HGP創英角ﾎﾟｯﾌﾟ体" panose="040B0A00000000000000" pitchFamily="50" charset="-128"/>
-              </a:rPr>
-              <a:t>避ける・ステップを踏む</a:t>
-            </a:r>
-            <a:endParaRPr lang="en-US" altLang="ja-JP" dirty="0" smtClean="0">
-              <a:solidFill>
-                <a:schemeClr val="tx1">
-                  <a:lumMod val="75000"/>
-                  <a:lumOff val="25000"/>
-                </a:schemeClr>
-              </a:solidFill>
-              <a:latin typeface="HGP創英角ﾎﾟｯﾌﾟ体" panose="040B0A00000000000000" pitchFamily="50" charset="-128"/>
-              <a:ea typeface="HGP創英角ﾎﾟｯﾌﾟ体" panose="040B0A00000000000000" pitchFamily="50" charset="-128"/>
-            </a:endParaRPr>
-          </a:p>
-          <a:p>
-            <a:pPr algn="ctr"/>
-            <a:endParaRPr lang="en-US" altLang="ja-JP" dirty="0">
-              <a:solidFill>
-                <a:schemeClr val="tx1">
-                  <a:lumMod val="75000"/>
-                  <a:lumOff val="25000"/>
-                </a:schemeClr>
-              </a:solidFill>
-              <a:latin typeface="HGP創英角ﾎﾟｯﾌﾟ体" panose="040B0A00000000000000" pitchFamily="50" charset="-128"/>
-              <a:ea typeface="HGP創英角ﾎﾟｯﾌﾟ体" panose="040B0A00000000000000" pitchFamily="50" charset="-128"/>
-            </a:endParaRPr>
-          </a:p>
-          <a:p>
-            <a:pPr algn="ctr"/>
-            <a:r>
-              <a:rPr lang="ja-JP" altLang="en-US" dirty="0" smtClean="0">
-                <a:solidFill>
-                  <a:schemeClr val="tx1">
-                    <a:lumMod val="75000"/>
-                    <a:lumOff val="25000"/>
-                  </a:schemeClr>
-                </a:solidFill>
-                <a:latin typeface="HGP創英角ﾎﾟｯﾌﾟ体" panose="040B0A00000000000000" pitchFamily="50" charset="-128"/>
-                <a:ea typeface="HGP創英角ﾎﾟｯﾌﾟ体" panose="040B0A00000000000000" pitchFamily="50" charset="-128"/>
-              </a:rPr>
-              <a:t>これを繰り返して、敵を倒せ！</a:t>
-            </a:r>
-            <a:endParaRPr lang="en-US" altLang="ja-JP" dirty="0" smtClean="0">
-              <a:solidFill>
-                <a:schemeClr val="tx1">
-                  <a:lumMod val="75000"/>
-                  <a:lumOff val="25000"/>
-                </a:schemeClr>
-              </a:solidFill>
-              <a:latin typeface="HGP創英角ﾎﾟｯﾌﾟ体" panose="040B0A00000000000000" pitchFamily="50" charset="-128"/>
-              <a:ea typeface="HGP創英角ﾎﾟｯﾌﾟ体" panose="040B0A00000000000000" pitchFamily="50" charset="-128"/>
-            </a:endParaRPr>
-          </a:p>
-          <a:p>
-            <a:pPr algn="ctr"/>
-            <a:endParaRPr lang="en-US" altLang="ja-JP" dirty="0" smtClean="0">
-              <a:solidFill>
-                <a:schemeClr val="tx1">
-                  <a:lumMod val="75000"/>
-                  <a:lumOff val="25000"/>
-                </a:schemeClr>
-              </a:solidFill>
-              <a:latin typeface="HGP創英角ﾎﾟｯﾌﾟ体" panose="040B0A00000000000000" pitchFamily="50" charset="-128"/>
-              <a:ea typeface="HGP創英角ﾎﾟｯﾌﾟ体" panose="040B0A00000000000000" pitchFamily="50" charset="-128"/>
-            </a:endParaRPr>
-          </a:p>
-          <a:p>
-            <a:pPr algn="ctr"/>
-            <a:endParaRPr lang="en-US" altLang="ja-JP" dirty="0">
-              <a:solidFill>
-                <a:schemeClr val="tx1">
-                  <a:lumMod val="75000"/>
-                  <a:lumOff val="25000"/>
-                </a:schemeClr>
-              </a:solidFill>
-              <a:latin typeface="HGP創英角ﾎﾟｯﾌﾟ体" panose="040B0A00000000000000" pitchFamily="50" charset="-128"/>
-              <a:ea typeface="HGP創英角ﾎﾟｯﾌﾟ体" panose="040B0A00000000000000" pitchFamily="50" charset="-128"/>
-            </a:endParaRPr>
-          </a:p>
-          <a:p>
-            <a:pPr algn="ctr"/>
-            <a:r>
-              <a:rPr lang="ja-JP" altLang="en-US" dirty="0" smtClean="0">
-                <a:solidFill>
-                  <a:schemeClr val="tx1">
-                    <a:lumMod val="75000"/>
-                    <a:lumOff val="25000"/>
-                  </a:schemeClr>
-                </a:solidFill>
-                <a:latin typeface="HGP創英角ﾎﾟｯﾌﾟ体" panose="040B0A00000000000000" pitchFamily="50" charset="-128"/>
-                <a:ea typeface="HGP創英角ﾎﾟｯﾌﾟ体" panose="040B0A00000000000000" pitchFamily="50" charset="-128"/>
-              </a:rPr>
-              <a:t>避ける動作時も</a:t>
-            </a:r>
-            <a:endParaRPr lang="en-US" altLang="ja-JP" dirty="0" smtClean="0">
-              <a:solidFill>
-                <a:schemeClr val="tx1">
-                  <a:lumMod val="75000"/>
-                  <a:lumOff val="25000"/>
-                </a:schemeClr>
-              </a:solidFill>
-              <a:latin typeface="HGP創英角ﾎﾟｯﾌﾟ体" panose="040B0A00000000000000" pitchFamily="50" charset="-128"/>
-              <a:ea typeface="HGP創英角ﾎﾟｯﾌﾟ体" panose="040B0A00000000000000" pitchFamily="50" charset="-128"/>
-            </a:endParaRPr>
-          </a:p>
-          <a:p>
-            <a:pPr algn="ctr"/>
-            <a:r>
-              <a:rPr lang="ja-JP" altLang="en-US" dirty="0" smtClean="0">
-                <a:solidFill>
-                  <a:schemeClr val="tx1">
-                    <a:lumMod val="75000"/>
-                    <a:lumOff val="25000"/>
-                  </a:schemeClr>
-                </a:solidFill>
-                <a:latin typeface="HGP創英角ﾎﾟｯﾌﾟ体" panose="040B0A00000000000000" pitchFamily="50" charset="-128"/>
-                <a:ea typeface="HGP創英角ﾎﾟｯﾌﾟ体" panose="040B0A00000000000000" pitchFamily="50" charset="-128"/>
-              </a:rPr>
-              <a:t>ステップのカウントがされるので</a:t>
-            </a:r>
-            <a:endParaRPr lang="en-US" altLang="ja-JP" dirty="0" smtClean="0">
-              <a:solidFill>
-                <a:schemeClr val="tx1">
-                  <a:lumMod val="75000"/>
-                  <a:lumOff val="25000"/>
-                </a:schemeClr>
-              </a:solidFill>
-              <a:latin typeface="HGP創英角ﾎﾟｯﾌﾟ体" panose="040B0A00000000000000" pitchFamily="50" charset="-128"/>
-              <a:ea typeface="HGP創英角ﾎﾟｯﾌﾟ体" panose="040B0A00000000000000" pitchFamily="50" charset="-128"/>
-            </a:endParaRPr>
-          </a:p>
-          <a:p>
-            <a:pPr algn="ctr"/>
-            <a:endParaRPr lang="en-US" altLang="ja-JP" dirty="0" smtClean="0">
-              <a:solidFill>
-                <a:schemeClr val="tx1">
-                  <a:lumMod val="75000"/>
-                  <a:lumOff val="25000"/>
-                </a:schemeClr>
-              </a:solidFill>
-              <a:latin typeface="HGP創英角ﾎﾟｯﾌﾟ体" panose="040B0A00000000000000" pitchFamily="50" charset="-128"/>
-              <a:ea typeface="HGP創英角ﾎﾟｯﾌﾟ体" panose="040B0A00000000000000" pitchFamily="50" charset="-128"/>
-            </a:endParaRPr>
-          </a:p>
-          <a:p>
-            <a:pPr algn="ctr"/>
-            <a:r>
-              <a:rPr lang="ja-JP" altLang="en-US" dirty="0" smtClean="0">
-                <a:solidFill>
-                  <a:schemeClr val="tx1">
-                    <a:lumMod val="75000"/>
-                    <a:lumOff val="25000"/>
-                  </a:schemeClr>
-                </a:solidFill>
-                <a:latin typeface="HGP創英角ﾎﾟｯﾌﾟ体" panose="040B0A00000000000000" pitchFamily="50" charset="-128"/>
-                <a:ea typeface="HGP創英角ﾎﾟｯﾌﾟ体" panose="040B0A00000000000000" pitchFamily="50" charset="-128"/>
-              </a:rPr>
-              <a:t>避けながら攻撃を</a:t>
-            </a:r>
-            <a:endParaRPr lang="en-US" altLang="ja-JP" dirty="0" smtClean="0">
-              <a:solidFill>
-                <a:schemeClr val="tx1">
-                  <a:lumMod val="75000"/>
-                  <a:lumOff val="25000"/>
-                </a:schemeClr>
-              </a:solidFill>
-              <a:latin typeface="HGP創英角ﾎﾟｯﾌﾟ体" panose="040B0A00000000000000" pitchFamily="50" charset="-128"/>
-              <a:ea typeface="HGP創英角ﾎﾟｯﾌﾟ体" panose="040B0A00000000000000" pitchFamily="50" charset="-128"/>
-            </a:endParaRPr>
-          </a:p>
-          <a:p>
-            <a:pPr algn="ctr"/>
-            <a:r>
-              <a:rPr lang="ja-JP" altLang="en-US" dirty="0" smtClean="0">
-                <a:solidFill>
-                  <a:schemeClr val="tx1">
-                    <a:lumMod val="75000"/>
-                    <a:lumOff val="25000"/>
-                  </a:schemeClr>
-                </a:solidFill>
-                <a:latin typeface="HGP創英角ﾎﾟｯﾌﾟ体" panose="040B0A00000000000000" pitchFamily="50" charset="-128"/>
-                <a:ea typeface="HGP創英角ﾎﾟｯﾌﾟ体" panose="040B0A00000000000000" pitchFamily="50" charset="-128"/>
-              </a:rPr>
-              <a:t>仕掛けることもできるぞ</a:t>
-            </a:r>
-            <a:r>
-              <a:rPr lang="en-US" altLang="ja-JP" dirty="0" smtClean="0">
-                <a:solidFill>
-                  <a:schemeClr val="tx1">
-                    <a:lumMod val="75000"/>
-                    <a:lumOff val="25000"/>
-                  </a:schemeClr>
-                </a:solidFill>
-                <a:latin typeface="HGP創英角ﾎﾟｯﾌﾟ体" panose="040B0A00000000000000" pitchFamily="50" charset="-128"/>
-                <a:ea typeface="HGP創英角ﾎﾟｯﾌﾟ体" panose="040B0A00000000000000" pitchFamily="50" charset="-128"/>
-              </a:rPr>
-              <a:t>!!</a:t>
-            </a:r>
-            <a:endParaRPr lang="en-US" altLang="ja-JP" dirty="0">
-              <a:solidFill>
-                <a:schemeClr val="tx1">
-                  <a:lumMod val="75000"/>
-                  <a:lumOff val="25000"/>
-                </a:schemeClr>
-              </a:solidFill>
-              <a:latin typeface="HGP創英角ﾎﾟｯﾌﾟ体" panose="040B0A00000000000000" pitchFamily="50" charset="-128"/>
-              <a:ea typeface="HGP創英角ﾎﾟｯﾌﾟ体" panose="040B0A00000000000000" pitchFamily="50" charset="-128"/>
-            </a:endParaRPr>
-          </a:p>
-        </p:txBody>
-      </p:sp>
-      <p:sp>
-        <p:nvSpPr>
-          <p:cNvPr id="13" name="四角形: 角を丸くする 4">
-            <a:extLst>
-              <a:ext uri="{FF2B5EF4-FFF2-40B4-BE49-F238E27FC236}">
-                <a16:creationId xmlns:a16="http://schemas.microsoft.com/office/drawing/2014/main" id="{3E3299D0-5526-46AB-A1D5-413E41A37F56}"/>
-              </a:ext>
-            </a:extLst>
-          </p:cNvPr>
-          <p:cNvSpPr/>
-          <p:nvPr/>
-        </p:nvSpPr>
-        <p:spPr>
-          <a:xfrm>
-            <a:off x="5014913" y="1718191"/>
-            <a:ext cx="4596348" cy="2223821"/>
-          </a:xfrm>
-          <a:prstGeom prst="roundRect">
-            <a:avLst/>
-          </a:prstGeom>
-          <a:solidFill>
-            <a:schemeClr val="accent1">
-              <a:lumMod val="20000"/>
-              <a:lumOff val="80000"/>
-            </a:schemeClr>
-          </a:solidFill>
-          <a:ln>
-            <a:noFill/>
-          </a:ln>
-        </p:spPr>
-        <p:style>
-          <a:lnRef idx="2">
-            <a:schemeClr val="accent3">
-              <a:shade val="50000"/>
-            </a:schemeClr>
-          </a:lnRef>
-          <a:fillRef idx="1">
-            <a:schemeClr val="accent3"/>
-          </a:fillRef>
-          <a:effectRef idx="0">
-            <a:schemeClr val="accent3"/>
-          </a:effectRef>
-          <a:fontRef idx="minor">
-            <a:schemeClr val="lt1"/>
-          </a:fontRef>
-        </p:style>
-        <p:txBody>
-          <a:bodyPr rtlCol="0" anchor="ctr"/>
-          <a:lstStyle/>
-          <a:p>
-            <a:pPr algn="ctr"/>
-            <a:endParaRPr kumimoji="1" lang="ja-JP" altLang="en-US"/>
-          </a:p>
-        </p:txBody>
-      </p:sp>
-      <p:grpSp>
-        <p:nvGrpSpPr>
-          <p:cNvPr id="23" name="グループ化 22"/>
-          <p:cNvGrpSpPr/>
-          <p:nvPr/>
-        </p:nvGrpSpPr>
-        <p:grpSpPr>
-          <a:xfrm>
-            <a:off x="5654447" y="1754864"/>
-            <a:ext cx="3317276" cy="2150474"/>
-            <a:chOff x="5654448" y="1776907"/>
-            <a:chExt cx="3317276" cy="2150474"/>
-          </a:xfrm>
-        </p:grpSpPr>
-        <p:sp>
-          <p:nvSpPr>
-            <p:cNvPr id="14" name="テキスト ボックス 13"/>
-            <p:cNvSpPr txBox="1"/>
-            <p:nvPr/>
-          </p:nvSpPr>
-          <p:spPr>
-            <a:xfrm>
-              <a:off x="5654448" y="2168631"/>
-              <a:ext cx="3317276" cy="1600438"/>
-            </a:xfrm>
-            <a:prstGeom prst="rect">
-              <a:avLst/>
-            </a:prstGeom>
-            <a:noFill/>
-          </p:spPr>
-          <p:txBody>
-            <a:bodyPr wrap="square" rtlCol="0">
-              <a:spAutoFit/>
-            </a:bodyPr>
-            <a:lstStyle/>
-            <a:p>
-              <a:pPr algn="ctr"/>
-              <a:r>
-                <a:rPr lang="ja-JP" altLang="en-US" sz="1400" dirty="0"/>
-                <a:t>□■□  ■□■  ■■■  ■■□  ■□</a:t>
-              </a:r>
-              <a:r>
-                <a:rPr lang="ja-JP" altLang="en-US" sz="1400" dirty="0" smtClean="0"/>
-                <a:t>□</a:t>
-              </a:r>
-            </a:p>
-            <a:p>
-              <a:pPr algn="ctr"/>
-              <a:r>
-                <a:rPr lang="ja-JP" altLang="en-US" sz="1400" dirty="0" smtClean="0"/>
-                <a:t/>
-              </a:r>
-              <a:br>
-                <a:rPr lang="ja-JP" altLang="en-US" sz="1400" dirty="0" smtClean="0"/>
-              </a:br>
-              <a:endParaRPr lang="ja-JP" altLang="en-US" sz="1400" dirty="0" smtClean="0"/>
-            </a:p>
-            <a:p>
-              <a:pPr algn="ctr"/>
-              <a:r>
-                <a:rPr lang="ja-JP" altLang="en-US" sz="1400" dirty="0" smtClean="0"/>
-                <a:t>□</a:t>
-              </a:r>
-              <a:r>
-                <a:rPr lang="ja-JP" altLang="en-US" sz="1400" dirty="0"/>
-                <a:t>□□  □●□  □□□  □□●  □□□</a:t>
-              </a:r>
-            </a:p>
-            <a:p>
-              <a:pPr algn="ctr"/>
-              <a:r>
-                <a:rPr lang="ja-JP" altLang="en-US" sz="1400" dirty="0"/>
-                <a:t>□□●  □□□  □□□  □□□  □●●</a:t>
-              </a:r>
-            </a:p>
-            <a:p>
-              <a:pPr algn="ctr"/>
-              <a:r>
-                <a:rPr lang="ja-JP" altLang="en-US" sz="1400" dirty="0"/>
-                <a:t>□□□  □●□  □□□  □□●  □□□</a:t>
-              </a:r>
-            </a:p>
-            <a:p>
-              <a:pPr algn="ctr"/>
-              <a:endParaRPr kumimoji="1" lang="ja-JP" altLang="en-US" sz="1400" dirty="0"/>
-            </a:p>
-          </p:txBody>
-        </p:sp>
-        <p:sp>
-          <p:nvSpPr>
-            <p:cNvPr id="15" name="テキスト ボックス 14">
-              <a:extLst>
-                <a:ext uri="{FF2B5EF4-FFF2-40B4-BE49-F238E27FC236}">
-                  <a16:creationId xmlns:a16="http://schemas.microsoft.com/office/drawing/2014/main" id="{8FDF15DD-202A-4E36-A5ED-0DE45D77EFE6}"/>
-                </a:ext>
-              </a:extLst>
-            </p:cNvPr>
-            <p:cNvSpPr txBox="1"/>
-            <p:nvPr/>
-          </p:nvSpPr>
-          <p:spPr>
-            <a:xfrm>
-              <a:off x="6383262" y="1776907"/>
-              <a:ext cx="1859648" cy="369332"/>
-            </a:xfrm>
-            <a:prstGeom prst="rect">
-              <a:avLst/>
-            </a:prstGeom>
-            <a:noFill/>
-          </p:spPr>
-          <p:txBody>
-            <a:bodyPr wrap="square" rtlCol="0" anchor="ctr">
-              <a:spAutoFit/>
-            </a:bodyPr>
-            <a:lstStyle/>
-            <a:p>
-              <a:pPr algn="ctr"/>
-              <a:r>
-                <a:rPr lang="ja-JP" altLang="en-US" dirty="0" smtClean="0">
-                  <a:solidFill>
-                    <a:schemeClr val="tx1">
-                      <a:lumMod val="75000"/>
-                      <a:lumOff val="25000"/>
-                    </a:schemeClr>
-                  </a:solidFill>
-                  <a:latin typeface="HGP創英角ﾎﾟｯﾌﾟ体" panose="040B0A00000000000000" pitchFamily="50" charset="-128"/>
-                  <a:ea typeface="HGP創英角ﾎﾟｯﾌﾟ体" panose="040B0A00000000000000" pitchFamily="50" charset="-128"/>
-                </a:rPr>
-                <a:t>↓敵の攻撃（■）</a:t>
-              </a:r>
-              <a:endParaRPr lang="ja-JP" altLang="en-US" dirty="0">
-                <a:solidFill>
-                  <a:schemeClr val="tx1">
-                    <a:lumMod val="75000"/>
-                    <a:lumOff val="25000"/>
-                  </a:schemeClr>
-                </a:solidFill>
-                <a:latin typeface="HGP創英角ﾎﾟｯﾌﾟ体" panose="040B0A00000000000000" pitchFamily="50" charset="-128"/>
-                <a:ea typeface="HGP創英角ﾎﾟｯﾌﾟ体" panose="040B0A00000000000000" pitchFamily="50" charset="-128"/>
-              </a:endParaRPr>
-            </a:p>
-          </p:txBody>
-        </p:sp>
-        <p:sp>
-          <p:nvSpPr>
-            <p:cNvPr id="16" name="テキスト ボックス 15">
-              <a:extLst>
-                <a:ext uri="{FF2B5EF4-FFF2-40B4-BE49-F238E27FC236}">
-                  <a16:creationId xmlns:a16="http://schemas.microsoft.com/office/drawing/2014/main" id="{8FDF15DD-202A-4E36-A5ED-0DE45D77EFE6}"/>
-                </a:ext>
-              </a:extLst>
-            </p:cNvPr>
-            <p:cNvSpPr txBox="1"/>
-            <p:nvPr/>
-          </p:nvSpPr>
-          <p:spPr>
-            <a:xfrm>
-              <a:off x="5782497" y="3558049"/>
-              <a:ext cx="3061178" cy="369332"/>
-            </a:xfrm>
-            <a:prstGeom prst="rect">
-              <a:avLst/>
-            </a:prstGeom>
-            <a:noFill/>
-          </p:spPr>
-          <p:txBody>
-            <a:bodyPr wrap="square" rtlCol="0" anchor="ctr">
-              <a:spAutoFit/>
-            </a:bodyPr>
-            <a:lstStyle/>
-            <a:p>
-              <a:pPr algn="ctr"/>
-              <a:r>
-                <a:rPr lang="ja-JP" altLang="en-US" dirty="0" smtClean="0">
-                  <a:solidFill>
-                    <a:schemeClr val="tx1">
-                      <a:lumMod val="75000"/>
-                      <a:lumOff val="25000"/>
-                    </a:schemeClr>
-                  </a:solidFill>
-                  <a:latin typeface="HGP創英角ﾎﾟｯﾌﾟ体" panose="040B0A00000000000000" pitchFamily="50" charset="-128"/>
-                  <a:ea typeface="HGP創英角ﾎﾟｯﾌﾟ体" panose="040B0A00000000000000" pitchFamily="50" charset="-128"/>
-                </a:rPr>
-                <a:t>↑プレイヤーの足の位置（●）</a:t>
-              </a:r>
-              <a:endParaRPr lang="ja-JP" altLang="en-US" dirty="0">
-                <a:solidFill>
-                  <a:schemeClr val="tx1">
-                    <a:lumMod val="75000"/>
-                    <a:lumOff val="25000"/>
-                  </a:schemeClr>
-                </a:solidFill>
-                <a:latin typeface="HGP創英角ﾎﾟｯﾌﾟ体" panose="040B0A00000000000000" pitchFamily="50" charset="-128"/>
-                <a:ea typeface="HGP創英角ﾎﾟｯﾌﾟ体" panose="040B0A00000000000000" pitchFamily="50" charset="-128"/>
-              </a:endParaRPr>
-            </a:p>
-          </p:txBody>
-        </p:sp>
-      </p:grpSp>
-      <p:sp>
-        <p:nvSpPr>
-          <p:cNvPr id="19" name="四角形: 角を丸くする 4">
-            <a:extLst>
-              <a:ext uri="{FF2B5EF4-FFF2-40B4-BE49-F238E27FC236}">
-                <a16:creationId xmlns:a16="http://schemas.microsoft.com/office/drawing/2014/main" id="{3E3299D0-5526-46AB-A1D5-413E41A37F56}"/>
-              </a:ext>
-            </a:extLst>
-          </p:cNvPr>
-          <p:cNvSpPr/>
-          <p:nvPr/>
-        </p:nvSpPr>
-        <p:spPr>
-          <a:xfrm>
-            <a:off x="5014913" y="4583390"/>
-            <a:ext cx="4596348" cy="1993578"/>
-          </a:xfrm>
-          <a:prstGeom prst="roundRect">
-            <a:avLst/>
-          </a:prstGeom>
-          <a:solidFill>
-            <a:schemeClr val="accent1">
-              <a:lumMod val="20000"/>
-              <a:lumOff val="80000"/>
-            </a:schemeClr>
-          </a:solidFill>
-          <a:ln>
-            <a:noFill/>
-          </a:ln>
-        </p:spPr>
-        <p:style>
-          <a:lnRef idx="2">
-            <a:schemeClr val="accent3">
-              <a:shade val="50000"/>
-            </a:schemeClr>
-          </a:lnRef>
-          <a:fillRef idx="1">
-            <a:schemeClr val="accent3"/>
-          </a:fillRef>
-          <a:effectRef idx="0">
-            <a:schemeClr val="accent3"/>
-          </a:effectRef>
-          <a:fontRef idx="minor">
-            <a:schemeClr val="lt1"/>
-          </a:fontRef>
-        </p:style>
-        <p:txBody>
-          <a:bodyPr rtlCol="0" anchor="ctr"/>
-          <a:lstStyle/>
-          <a:p>
-            <a:pPr algn="ctr"/>
-            <a:endParaRPr kumimoji="1" lang="ja-JP" altLang="en-US"/>
-          </a:p>
-        </p:txBody>
-      </p:sp>
-      <p:sp>
-        <p:nvSpPr>
-          <p:cNvPr id="21" name="テキスト ボックス 20"/>
-          <p:cNvSpPr txBox="1"/>
-          <p:nvPr/>
-        </p:nvSpPr>
-        <p:spPr>
-          <a:xfrm>
-            <a:off x="5326732" y="4741702"/>
-            <a:ext cx="3972708" cy="738664"/>
-          </a:xfrm>
-          <a:prstGeom prst="rect">
-            <a:avLst/>
-          </a:prstGeom>
-          <a:noFill/>
-        </p:spPr>
-        <p:txBody>
-          <a:bodyPr wrap="square" rtlCol="0">
-            <a:spAutoFit/>
-          </a:bodyPr>
-          <a:lstStyle/>
-          <a:p>
-            <a:pPr algn="ctr"/>
-            <a:r>
-              <a:rPr lang="ja-JP" altLang="en-US" sz="1400" dirty="0"/>
-              <a:t>□□●  ●□●  ●□□  □□□  □□●  □□□</a:t>
-            </a:r>
-          </a:p>
-          <a:p>
-            <a:pPr algn="ctr"/>
-            <a:r>
-              <a:rPr lang="ja-JP" altLang="en-US" sz="1400" dirty="0"/>
-              <a:t>□□□  □□□  □□□  □□□  □□□  ●□●</a:t>
-            </a:r>
-          </a:p>
-          <a:p>
-            <a:pPr algn="ctr"/>
-            <a:r>
-              <a:rPr lang="ja-JP" altLang="en-US" sz="1400" dirty="0"/>
-              <a:t>●□□  □□□  ●□□  ●□●  □□●  □□</a:t>
-            </a:r>
-            <a:r>
-              <a:rPr lang="ja-JP" altLang="en-US" sz="1400" dirty="0" smtClean="0"/>
-              <a:t>□</a:t>
-            </a:r>
-            <a:endParaRPr lang="ja-JP" altLang="en-US" sz="1400" dirty="0"/>
-          </a:p>
-        </p:txBody>
-      </p:sp>
-      <p:sp>
-        <p:nvSpPr>
-          <p:cNvPr id="22" name="四角形: 角を丸くする 6">
-            <a:extLst>
-              <a:ext uri="{FF2B5EF4-FFF2-40B4-BE49-F238E27FC236}">
-                <a16:creationId xmlns:a16="http://schemas.microsoft.com/office/drawing/2014/main" id="{34268FBC-A5A0-4855-B4E1-0C7B2B70EDEF}"/>
-              </a:ext>
-            </a:extLst>
-          </p:cNvPr>
-          <p:cNvSpPr/>
-          <p:nvPr/>
-        </p:nvSpPr>
-        <p:spPr>
-          <a:xfrm>
-            <a:off x="5014913" y="1179619"/>
-            <a:ext cx="4596348" cy="484279"/>
-          </a:xfrm>
-          <a:prstGeom prst="roundRect">
-            <a:avLst/>
-          </a:prstGeom>
-          <a:solidFill>
-            <a:schemeClr val="tx2">
-              <a:lumMod val="60000"/>
-              <a:lumOff val="40000"/>
-            </a:schemeClr>
-          </a:solidFill>
-          <a:ln>
-            <a:noFill/>
-          </a:ln>
-        </p:spPr>
-        <p:style>
-          <a:lnRef idx="2">
-            <a:schemeClr val="accent3">
-              <a:shade val="50000"/>
-            </a:schemeClr>
-          </a:lnRef>
-          <a:fillRef idx="1">
-            <a:schemeClr val="accent3"/>
-          </a:fillRef>
-          <a:effectRef idx="0">
-            <a:schemeClr val="accent3"/>
-          </a:effectRef>
-          <a:fontRef idx="minor">
-            <a:schemeClr val="lt1"/>
-          </a:fontRef>
-        </p:style>
-        <p:txBody>
-          <a:bodyPr rtlCol="0" anchor="ctr"/>
-          <a:lstStyle/>
-          <a:p>
-            <a:pPr algn="ctr"/>
-            <a:endParaRPr kumimoji="1" lang="ja-JP" altLang="en-US" b="1" dirty="0"/>
-          </a:p>
-        </p:txBody>
-      </p:sp>
-      <p:sp>
-        <p:nvSpPr>
-          <p:cNvPr id="25" name="四角形: 角を丸くする 6">
-            <a:extLst>
-              <a:ext uri="{FF2B5EF4-FFF2-40B4-BE49-F238E27FC236}">
-                <a16:creationId xmlns:a16="http://schemas.microsoft.com/office/drawing/2014/main" id="{34268FBC-A5A0-4855-B4E1-0C7B2B70EDEF}"/>
-              </a:ext>
-            </a:extLst>
-          </p:cNvPr>
-          <p:cNvSpPr/>
-          <p:nvPr/>
-        </p:nvSpPr>
-        <p:spPr>
-          <a:xfrm>
-            <a:off x="5014913" y="4029396"/>
-            <a:ext cx="4596348" cy="499701"/>
-          </a:xfrm>
-          <a:prstGeom prst="roundRect">
-            <a:avLst/>
-          </a:prstGeom>
-          <a:solidFill>
-            <a:schemeClr val="tx2">
-              <a:lumMod val="60000"/>
-              <a:lumOff val="40000"/>
-            </a:schemeClr>
-          </a:solidFill>
-          <a:ln>
-            <a:noFill/>
-          </a:ln>
-        </p:spPr>
-        <p:style>
-          <a:lnRef idx="2">
-            <a:schemeClr val="accent3">
-              <a:shade val="50000"/>
-            </a:schemeClr>
-          </a:lnRef>
-          <a:fillRef idx="1">
-            <a:schemeClr val="accent3"/>
-          </a:fillRef>
-          <a:effectRef idx="0">
-            <a:schemeClr val="accent3"/>
-          </a:effectRef>
-          <a:fontRef idx="minor">
-            <a:schemeClr val="lt1"/>
-          </a:fontRef>
-        </p:style>
-        <p:txBody>
-          <a:bodyPr rtlCol="0" anchor="ctr"/>
-          <a:lstStyle/>
-          <a:p>
-            <a:pPr algn="ctr"/>
-            <a:endParaRPr kumimoji="1" lang="ja-JP" altLang="en-US"/>
-          </a:p>
-        </p:txBody>
-      </p:sp>
-      <p:sp>
-        <p:nvSpPr>
-          <p:cNvPr id="26" name="テキスト ボックス 25">
-            <a:extLst>
-              <a:ext uri="{FF2B5EF4-FFF2-40B4-BE49-F238E27FC236}">
-                <a16:creationId xmlns:a16="http://schemas.microsoft.com/office/drawing/2014/main" id="{AA4043A6-8052-4A02-B133-5C3A4F973875}"/>
-              </a:ext>
-            </a:extLst>
-          </p:cNvPr>
-          <p:cNvSpPr txBox="1"/>
-          <p:nvPr/>
-        </p:nvSpPr>
-        <p:spPr>
-          <a:xfrm>
-            <a:off x="5348485" y="5705501"/>
-            <a:ext cx="3929202" cy="646331"/>
-          </a:xfrm>
-          <a:prstGeom prst="rect">
-            <a:avLst/>
-          </a:prstGeom>
-          <a:noFill/>
-        </p:spPr>
-        <p:txBody>
-          <a:bodyPr wrap="square" rtlCol="0" anchor="ctr">
-            <a:spAutoFit/>
-          </a:bodyPr>
-          <a:lstStyle/>
-          <a:p>
-            <a:pPr algn="ctr"/>
-            <a:r>
-              <a:rPr lang="ja-JP" altLang="en-US" dirty="0" smtClean="0">
-                <a:solidFill>
-                  <a:schemeClr val="tx1">
-                    <a:lumMod val="75000"/>
-                    <a:lumOff val="25000"/>
-                  </a:schemeClr>
-                </a:solidFill>
-                <a:latin typeface="HGP創英角ﾎﾟｯﾌﾟ体" panose="040B0A00000000000000" pitchFamily="50" charset="-128"/>
-                <a:ea typeface="HGP創英角ﾎﾟｯﾌﾟ体" panose="040B0A00000000000000" pitchFamily="50" charset="-128"/>
-              </a:rPr>
-              <a:t>リスク（複雑ステップ）の</a:t>
-            </a:r>
-            <a:r>
-              <a:rPr lang="ja-JP" altLang="en-US" dirty="0">
-                <a:solidFill>
-                  <a:schemeClr val="tx1">
-                    <a:lumMod val="75000"/>
-                    <a:lumOff val="25000"/>
-                  </a:schemeClr>
-                </a:solidFill>
-                <a:latin typeface="HGP創英角ﾎﾟｯﾌﾟ体" panose="040B0A00000000000000" pitchFamily="50" charset="-128"/>
-                <a:ea typeface="HGP創英角ﾎﾟｯﾌﾟ体" panose="040B0A00000000000000" pitchFamily="50" charset="-128"/>
-              </a:rPr>
-              <a:t>分</a:t>
-            </a:r>
-            <a:r>
-              <a:rPr lang="ja-JP" altLang="en-US" dirty="0" smtClean="0">
-                <a:solidFill>
-                  <a:schemeClr val="tx1">
-                    <a:lumMod val="75000"/>
-                    <a:lumOff val="25000"/>
-                  </a:schemeClr>
-                </a:solidFill>
-                <a:latin typeface="HGP創英角ﾎﾟｯﾌﾟ体" panose="040B0A00000000000000" pitchFamily="50" charset="-128"/>
-                <a:ea typeface="HGP創英角ﾎﾟｯﾌﾟ体" panose="040B0A00000000000000" pitchFamily="50" charset="-128"/>
-              </a:rPr>
-              <a:t>だけ</a:t>
-            </a:r>
-            <a:endParaRPr lang="en-US" altLang="ja-JP" dirty="0" smtClean="0">
-              <a:solidFill>
-                <a:schemeClr val="tx1">
-                  <a:lumMod val="75000"/>
-                  <a:lumOff val="25000"/>
-                </a:schemeClr>
-              </a:solidFill>
-              <a:latin typeface="HGP創英角ﾎﾟｯﾌﾟ体" panose="040B0A00000000000000" pitchFamily="50" charset="-128"/>
-              <a:ea typeface="HGP創英角ﾎﾟｯﾌﾟ体" panose="040B0A00000000000000" pitchFamily="50" charset="-128"/>
-            </a:endParaRPr>
-          </a:p>
-          <a:p>
-            <a:pPr algn="ctr"/>
-            <a:r>
-              <a:rPr lang="ja-JP" altLang="en-US" dirty="0" smtClean="0">
-                <a:solidFill>
-                  <a:schemeClr val="tx1">
-                    <a:lumMod val="75000"/>
-                    <a:lumOff val="25000"/>
-                  </a:schemeClr>
-                </a:solidFill>
-                <a:latin typeface="HGP創英角ﾎﾟｯﾌﾟ体" panose="040B0A00000000000000" pitchFamily="50" charset="-128"/>
-                <a:ea typeface="HGP創英角ﾎﾟｯﾌﾟ体" panose="040B0A00000000000000" pitchFamily="50" charset="-128"/>
-              </a:rPr>
-              <a:t>強い</a:t>
-            </a:r>
-            <a:r>
-              <a:rPr lang="ja-JP" altLang="en-US" dirty="0">
-                <a:solidFill>
-                  <a:schemeClr val="tx1">
-                    <a:lumMod val="75000"/>
-                    <a:lumOff val="25000"/>
-                  </a:schemeClr>
-                </a:solidFill>
-                <a:latin typeface="HGP創英角ﾎﾟｯﾌﾟ体" panose="040B0A00000000000000" pitchFamily="50" charset="-128"/>
-                <a:ea typeface="HGP創英角ﾎﾟｯﾌﾟ体" panose="040B0A00000000000000" pitchFamily="50" charset="-128"/>
-              </a:rPr>
-              <a:t>技を決めることが</a:t>
-            </a:r>
-            <a:r>
-              <a:rPr lang="ja-JP" altLang="en-US" dirty="0" smtClean="0">
-                <a:solidFill>
-                  <a:schemeClr val="tx1">
-                    <a:lumMod val="75000"/>
-                    <a:lumOff val="25000"/>
-                  </a:schemeClr>
-                </a:solidFill>
-                <a:latin typeface="HGP創英角ﾎﾟｯﾌﾟ体" panose="040B0A00000000000000" pitchFamily="50" charset="-128"/>
-                <a:ea typeface="HGP創英角ﾎﾟｯﾌﾟ体" panose="040B0A00000000000000" pitchFamily="50" charset="-128"/>
-              </a:rPr>
-              <a:t>できるぞ</a:t>
-            </a:r>
-            <a:r>
-              <a:rPr lang="en-US" altLang="ja-JP" dirty="0" smtClean="0">
-                <a:solidFill>
-                  <a:schemeClr val="tx1">
-                    <a:lumMod val="75000"/>
-                    <a:lumOff val="25000"/>
-                  </a:schemeClr>
-                </a:solidFill>
-                <a:latin typeface="HGP創英角ﾎﾟｯﾌﾟ体" panose="040B0A00000000000000" pitchFamily="50" charset="-128"/>
-                <a:ea typeface="HGP創英角ﾎﾟｯﾌﾟ体" panose="040B0A00000000000000" pitchFamily="50" charset="-128"/>
-              </a:rPr>
-              <a:t>!</a:t>
-            </a:r>
-            <a:endParaRPr lang="en-US" altLang="ja-JP" dirty="0">
-              <a:solidFill>
-                <a:schemeClr val="tx1">
-                  <a:lumMod val="75000"/>
-                  <a:lumOff val="25000"/>
-                </a:schemeClr>
-              </a:solidFill>
-              <a:latin typeface="HGP創英角ﾎﾟｯﾌﾟ体" panose="040B0A00000000000000" pitchFamily="50" charset="-128"/>
-              <a:ea typeface="HGP創英角ﾎﾟｯﾌﾟ体" panose="040B0A00000000000000" pitchFamily="50" charset="-128"/>
-            </a:endParaRPr>
-          </a:p>
-        </p:txBody>
-      </p:sp>
-      <p:sp>
-        <p:nvSpPr>
-          <p:cNvPr id="27" name="テキスト ボックス 26">
-            <a:extLst>
-              <a:ext uri="{FF2B5EF4-FFF2-40B4-BE49-F238E27FC236}">
-                <a16:creationId xmlns:a16="http://schemas.microsoft.com/office/drawing/2014/main" id="{EA028689-38E5-42C2-AFD8-3E4F83844A79}"/>
-              </a:ext>
-            </a:extLst>
-          </p:cNvPr>
-          <p:cNvSpPr txBox="1"/>
-          <p:nvPr/>
-        </p:nvSpPr>
-        <p:spPr>
-          <a:xfrm>
-            <a:off x="5705129" y="1239543"/>
-            <a:ext cx="3215912" cy="369332"/>
-          </a:xfrm>
-          <a:prstGeom prst="rect">
-            <a:avLst/>
-          </a:prstGeom>
-          <a:noFill/>
-        </p:spPr>
-        <p:txBody>
-          <a:bodyPr wrap="square" rtlCol="0" anchor="ctr">
-            <a:spAutoFit/>
-          </a:bodyPr>
-          <a:lstStyle/>
-          <a:p>
-            <a:pPr algn="ctr"/>
-            <a:r>
-              <a:rPr lang="ja-JP" altLang="en-US" dirty="0">
-                <a:solidFill>
-                  <a:schemeClr val="bg1"/>
-                </a:solidFill>
-                <a:latin typeface="HGP創英角ﾎﾟｯﾌﾟ体" panose="040B0A00000000000000" pitchFamily="50" charset="-128"/>
-                <a:ea typeface="HGP創英角ﾎﾟｯﾌﾟ体" panose="040B0A00000000000000" pitchFamily="50" charset="-128"/>
-              </a:rPr>
-              <a:t>敵</a:t>
-            </a:r>
-            <a:r>
-              <a:rPr lang="ja-JP" altLang="en-US" dirty="0" smtClean="0">
-                <a:solidFill>
-                  <a:schemeClr val="bg1"/>
-                </a:solidFill>
-                <a:latin typeface="HGP創英角ﾎﾟｯﾌﾟ体" panose="040B0A00000000000000" pitchFamily="50" charset="-128"/>
-                <a:ea typeface="HGP創英角ﾎﾟｯﾌﾟ体" panose="040B0A00000000000000" pitchFamily="50" charset="-128"/>
-              </a:rPr>
-              <a:t>の攻撃の避け方</a:t>
-            </a:r>
-            <a:endParaRPr lang="ja-JP" altLang="en-US" dirty="0">
-              <a:solidFill>
-                <a:schemeClr val="bg1"/>
-              </a:solidFill>
-              <a:latin typeface="HGP創英角ﾎﾟｯﾌﾟ体" panose="040B0A00000000000000" pitchFamily="50" charset="-128"/>
-              <a:ea typeface="HGP創英角ﾎﾟｯﾌﾟ体" panose="040B0A00000000000000" pitchFamily="50" charset="-128"/>
-            </a:endParaRPr>
-          </a:p>
-        </p:txBody>
-      </p:sp>
-      <p:sp>
-        <p:nvSpPr>
-          <p:cNvPr id="28" name="テキスト ボックス 27">
-            <a:extLst>
-              <a:ext uri="{FF2B5EF4-FFF2-40B4-BE49-F238E27FC236}">
-                <a16:creationId xmlns:a16="http://schemas.microsoft.com/office/drawing/2014/main" id="{EA028689-38E5-42C2-AFD8-3E4F83844A79}"/>
-              </a:ext>
-            </a:extLst>
-          </p:cNvPr>
-          <p:cNvSpPr txBox="1"/>
-          <p:nvPr/>
-        </p:nvSpPr>
-        <p:spPr>
-          <a:xfrm>
-            <a:off x="5593880" y="4094580"/>
-            <a:ext cx="3438410" cy="369332"/>
-          </a:xfrm>
-          <a:prstGeom prst="rect">
-            <a:avLst/>
-          </a:prstGeom>
-          <a:noFill/>
-        </p:spPr>
-        <p:txBody>
-          <a:bodyPr wrap="square" rtlCol="0" anchor="ctr">
-            <a:spAutoFit/>
-          </a:bodyPr>
-          <a:lstStyle/>
-          <a:p>
-            <a:pPr algn="ctr"/>
-            <a:r>
-              <a:rPr lang="ja-JP" altLang="en-US" dirty="0" smtClean="0">
-                <a:solidFill>
-                  <a:schemeClr val="bg1"/>
-                </a:solidFill>
-                <a:latin typeface="HGP創英角ﾎﾟｯﾌﾟ体" panose="040B0A00000000000000" pitchFamily="50" charset="-128"/>
-                <a:ea typeface="HGP創英角ﾎﾟｯﾌﾟ体" panose="040B0A00000000000000" pitchFamily="50" charset="-128"/>
-              </a:rPr>
-              <a:t>ステップの例</a:t>
-            </a:r>
-            <a:endParaRPr lang="ja-JP" altLang="en-US" dirty="0">
-              <a:solidFill>
-                <a:schemeClr val="bg1"/>
-              </a:solidFill>
-              <a:latin typeface="HGP創英角ﾎﾟｯﾌﾟ体" panose="040B0A00000000000000" pitchFamily="50" charset="-128"/>
-              <a:ea typeface="HGP創英角ﾎﾟｯﾌﾟ体" panose="040B0A00000000000000" pitchFamily="50" charset="-128"/>
-            </a:endParaRPr>
-          </a:p>
-        </p:txBody>
-      </p:sp>
-    </p:spTree>
-    <p:extLst>
-      <p:ext uri="{BB962C8B-B14F-4D97-AF65-F5344CB8AC3E}">
-        <p14:creationId xmlns:p14="http://schemas.microsoft.com/office/powerpoint/2010/main" val="3972355258"/>
-      </p:ext>
-    </p:extLst>
-  </p:cSld>
-  <p:clrMapOvr>
-    <a:masterClrMapping/>
-  </p:clrMapOvr>
-</p:sld>
-</file>
-
-<file path=ppt/slides/slide5.xml><?xml version="1.0" encoding="utf-8"?>
-<p:sld xmlns:a="http://schemas.openxmlformats.org/drawingml/2006/main" xmlns:r="http://schemas.openxmlformats.org/officeDocument/2006/relationships" xmlns:p="http://schemas.openxmlformats.org/presentationml/2006/main">
-  <p:cSld>
-    <p:spTree>
-      <p:nvGrpSpPr>
-        <p:cNvPr id="1" name=""/>
-        <p:cNvGrpSpPr/>
-        <p:nvPr/>
-      </p:nvGrpSpPr>
-      <p:grpSpPr>
-        <a:xfrm>
-          <a:off x="0" y="0"/>
-          <a:ext cx="0" cy="0"/>
-          <a:chOff x="0" y="0"/>
-          <a:chExt cx="0" cy="0"/>
-        </a:xfrm>
-      </p:grpSpPr>
-      <p:sp>
-        <p:nvSpPr>
-          <p:cNvPr id="2" name="タイトル 1"/>
-          <p:cNvSpPr>
-            <a:spLocks noGrp="1"/>
-          </p:cNvSpPr>
-          <p:nvPr>
-            <p:ph type="title"/>
-          </p:nvPr>
-        </p:nvSpPr>
-        <p:spPr/>
-        <p:txBody>
-          <a:bodyPr/>
-          <a:lstStyle/>
-          <a:p>
-            <a:endParaRPr kumimoji="1" lang="ja-JP" altLang="en-US"/>
-          </a:p>
-        </p:txBody>
-      </p:sp>
-      <p:sp>
-        <p:nvSpPr>
-          <p:cNvPr id="8" name="コンテンツ プレースホルダー 7"/>
-          <p:cNvSpPr>
-            <a:spLocks noGrp="1"/>
-          </p:cNvSpPr>
-          <p:nvPr>
-            <p:ph sz="half" idx="1"/>
-          </p:nvPr>
-        </p:nvSpPr>
-        <p:spPr/>
-        <p:txBody>
-          <a:bodyPr/>
-          <a:lstStyle/>
-          <a:p>
-            <a:endParaRPr kumimoji="1" lang="ja-JP" altLang="en-US"/>
-          </a:p>
-        </p:txBody>
-      </p:sp>
-    </p:spTree>
-    <p:extLst>
-      <p:ext uri="{BB962C8B-B14F-4D97-AF65-F5344CB8AC3E}">
-        <p14:creationId xmlns:p14="http://schemas.microsoft.com/office/powerpoint/2010/main" val="4013999770"/>
-      </p:ext>
-    </p:extLst>
-  </p:cSld>
-  <p:clrMapOvr>
-    <a:masterClrMapping/>
-  </p:clrMapOvr>
-</p:sld>
-</file>
-
 <file path=ppt/theme/theme1.xml><?xml version="1.0" encoding="utf-8"?>
 <a:theme xmlns:a="http://schemas.openxmlformats.org/drawingml/2006/main" name="Office テーマ">
   <a:themeElements>
